--- a/О результатах работы.pptx
+++ b/О результатах работы.pptx
@@ -5,7 +5,7 @@
     <p:sldMasterId id="2147483678" r:id="rId1"/>
   </p:sldMasterIdLst>
   <p:notesMasterIdLst>
-    <p:notesMasterId r:id="rId49"/>
+    <p:notesMasterId r:id="rId55"/>
   </p:notesMasterIdLst>
   <p:sldIdLst>
     <p:sldId id="256" r:id="rId2"/>
@@ -50,52 +50,58 @@
     <p:sldId id="337" r:id="rId41"/>
     <p:sldId id="301" r:id="rId42"/>
     <p:sldId id="308" r:id="rId43"/>
-    <p:sldId id="340" r:id="rId44"/>
-    <p:sldId id="338" r:id="rId45"/>
-    <p:sldId id="302" r:id="rId46"/>
-    <p:sldId id="339" r:id="rId47"/>
-    <p:sldId id="309" r:id="rId48"/>
+    <p:sldId id="344" r:id="rId44"/>
+    <p:sldId id="340" r:id="rId45"/>
+    <p:sldId id="338" r:id="rId46"/>
+    <p:sldId id="302" r:id="rId47"/>
+    <p:sldId id="339" r:id="rId48"/>
+    <p:sldId id="309" r:id="rId49"/>
+    <p:sldId id="341" r:id="rId50"/>
+    <p:sldId id="343" r:id="rId51"/>
+    <p:sldId id="342" r:id="rId52"/>
+    <p:sldId id="345" r:id="rId53"/>
+    <p:sldId id="346" r:id="rId54"/>
   </p:sldIdLst>
   <p:sldSz cx="9144000" cy="5143500" type="screen16x9"/>
   <p:notesSz cx="6858000" cy="9144000"/>
   <p:embeddedFontLst>
     <p:embeddedFont>
       <p:font typeface="Calibri" panose="020F0502020204030204" pitchFamily="34" charset="0"/>
-      <p:regular r:id="rId50"/>
-      <p:bold r:id="rId51"/>
-      <p:italic r:id="rId52"/>
-      <p:boldItalic r:id="rId53"/>
+      <p:regular r:id="rId56"/>
+      <p:bold r:id="rId57"/>
+      <p:italic r:id="rId58"/>
+      <p:boldItalic r:id="rId59"/>
     </p:embeddedFont>
     <p:embeddedFont>
       <p:font typeface="Consolas" panose="020B0609020204030204" pitchFamily="49" charset="0"/>
-      <p:regular r:id="rId54"/>
-      <p:bold r:id="rId55"/>
-      <p:italic r:id="rId56"/>
-      <p:boldItalic r:id="rId57"/>
+      <p:regular r:id="rId60"/>
+      <p:bold r:id="rId61"/>
+      <p:italic r:id="rId62"/>
+      <p:boldItalic r:id="rId63"/>
     </p:embeddedFont>
     <p:embeddedFont>
       <p:font typeface="Manrope" panose="020B0604020202020204" charset="0"/>
-      <p:regular r:id="rId58"/>
-      <p:bold r:id="rId59"/>
+      <p:regular r:id="rId64"/>
+      <p:bold r:id="rId65"/>
     </p:embeddedFont>
     <p:embeddedFont>
       <p:font typeface="Nunito Light" pitchFamily="2" charset="-52"/>
-      <p:regular r:id="rId60"/>
-      <p:italic r:id="rId61"/>
+      <p:regular r:id="rId66"/>
+      <p:italic r:id="rId67"/>
     </p:embeddedFont>
     <p:embeddedFont>
       <p:font typeface="Raleway" pitchFamily="2" charset="-52"/>
-      <p:regular r:id="rId62"/>
-      <p:bold r:id="rId63"/>
-      <p:italic r:id="rId64"/>
-      <p:boldItalic r:id="rId65"/>
+      <p:regular r:id="rId68"/>
+      <p:bold r:id="rId69"/>
+      <p:italic r:id="rId70"/>
+      <p:boldItalic r:id="rId71"/>
     </p:embeddedFont>
     <p:embeddedFont>
       <p:font typeface="Roboto" panose="02000000000000000000" pitchFamily="2" charset="0"/>
-      <p:regular r:id="rId66"/>
-      <p:bold r:id="rId67"/>
-      <p:italic r:id="rId68"/>
-      <p:boldItalic r:id="rId69"/>
+      <p:regular r:id="rId72"/>
+      <p:bold r:id="rId73"/>
+      <p:italic r:id="rId74"/>
+      <p:boldItalic r:id="rId75"/>
     </p:embeddedFont>
   </p:embeddedFontLst>
   <p:defaultTextStyle>
@@ -2294,6 +2300,115 @@
     <p:extLst>
       <p:ext uri="{BB962C8B-B14F-4D97-AF65-F5344CB8AC3E}">
         <p14:creationId xmlns:p14="http://schemas.microsoft.com/office/powerpoint/2010/main" val="474664623"/>
+      </p:ext>
+    </p:extLst>
+  </p:cSld>
+  <p:clrMapOvr>
+    <a:masterClrMapping/>
+  </p:clrMapOvr>
+</p:notes>
+</file>
+
+<file path=ppt/notesSlides/notesSlide22.xml><?xml version="1.0" encoding="utf-8"?>
+<p:notes xmlns:a="http://schemas.openxmlformats.org/drawingml/2006/main" xmlns:r="http://schemas.openxmlformats.org/officeDocument/2006/relationships" xmlns:p="http://schemas.openxmlformats.org/presentationml/2006/main" showMasterSp="0" showMasterPhAnim="0">
+  <p:cSld>
+    <p:spTree>
+      <p:nvGrpSpPr>
+        <p:cNvPr id="1" name="Shape 266"/>
+        <p:cNvGrpSpPr/>
+        <p:nvPr/>
+      </p:nvGrpSpPr>
+      <p:grpSpPr>
+        <a:xfrm>
+          <a:off x="0" y="0"/>
+          <a:ext cx="0" cy="0"/>
+          <a:chOff x="0" y="0"/>
+          <a:chExt cx="0" cy="0"/>
+        </a:xfrm>
+      </p:grpSpPr>
+      <p:sp>
+        <p:nvSpPr>
+          <p:cNvPr id="267" name="Google Shape;267;g54dda1946d_6_308:notes"/>
+          <p:cNvSpPr>
+            <a:spLocks noGrp="1" noRot="1" noChangeAspect="1"/>
+          </p:cNvSpPr>
+          <p:nvPr>
+            <p:ph type="sldImg" idx="2"/>
+          </p:nvPr>
+        </p:nvSpPr>
+        <p:spPr>
+          <a:xfrm>
+            <a:off x="381000" y="685800"/>
+            <a:ext cx="6096000" cy="3429000"/>
+          </a:xfrm>
+          <a:custGeom>
+            <a:avLst/>
+            <a:gdLst/>
+            <a:ahLst/>
+            <a:cxnLst/>
+            <a:rect l="l" t="t" r="r" b="b"/>
+            <a:pathLst>
+              <a:path w="120000" h="120000" extrusionOk="0">
+                <a:moveTo>
+                  <a:pt x="0" y="0"/>
+                </a:moveTo>
+                <a:lnTo>
+                  <a:pt x="120000" y="0"/>
+                </a:lnTo>
+                <a:lnTo>
+                  <a:pt x="120000" y="120000"/>
+                </a:lnTo>
+                <a:lnTo>
+                  <a:pt x="0" y="120000"/>
+                </a:lnTo>
+                <a:close/>
+              </a:path>
+            </a:pathLst>
+          </a:custGeom>
+        </p:spPr>
+      </p:sp>
+      <p:sp>
+        <p:nvSpPr>
+          <p:cNvPr id="268" name="Google Shape;268;g54dda1946d_6_308:notes"/>
+          <p:cNvSpPr txBox="1">
+            <a:spLocks noGrp="1"/>
+          </p:cNvSpPr>
+          <p:nvPr>
+            <p:ph type="body" idx="1"/>
+          </p:nvPr>
+        </p:nvSpPr>
+        <p:spPr>
+          <a:xfrm>
+            <a:off x="685800" y="4343400"/>
+            <a:ext cx="5486400" cy="4114800"/>
+          </a:xfrm>
+          <a:prstGeom prst="rect">
+            <a:avLst/>
+          </a:prstGeom>
+        </p:spPr>
+        <p:txBody>
+          <a:bodyPr spcFirstLastPara="1" wrap="square" lIns="91425" tIns="91425" rIns="91425" bIns="91425" anchor="t" anchorCtr="0">
+            <a:noAutofit/>
+          </a:bodyPr>
+          <a:lstStyle/>
+          <a:p>
+            <a:pPr marL="0" lvl="0" indent="0" algn="l" rtl="0">
+              <a:spcBef>
+                <a:spcPts val="0"/>
+              </a:spcBef>
+              <a:spcAft>
+                <a:spcPts val="0"/>
+              </a:spcAft>
+              <a:buNone/>
+            </a:pPr>
+            <a:endParaRPr/>
+          </a:p>
+        </p:txBody>
+      </p:sp>
+    </p:spTree>
+    <p:extLst>
+      <p:ext uri="{BB962C8B-B14F-4D97-AF65-F5344CB8AC3E}">
+        <p14:creationId xmlns:p14="http://schemas.microsoft.com/office/powerpoint/2010/main" val="3330262308"/>
       </p:ext>
     </p:extLst>
   </p:cSld>
@@ -32042,6 +32157,729 @@
           <p:cNvPr id="2" name="Заголовок 1">
             <a:extLst>
               <a:ext uri="{FF2B5EF4-FFF2-40B4-BE49-F238E27FC236}">
+                <a16:creationId xmlns:a16="http://schemas.microsoft.com/office/drawing/2014/main" id="{FAA66C53-7263-45ED-AE42-0452834FD61B}"/>
+              </a:ext>
+            </a:extLst>
+          </p:cNvPr>
+          <p:cNvSpPr>
+            <a:spLocks noGrp="1"/>
+          </p:cNvSpPr>
+          <p:nvPr>
+            <p:ph type="title"/>
+          </p:nvPr>
+        </p:nvSpPr>
+        <p:spPr/>
+        <p:txBody>
+          <a:bodyPr/>
+          <a:lstStyle/>
+          <a:p>
+            <a:r>
+              <a:rPr lang="ru-RU" dirty="0"/>
+              <a:t>Подключение к стримам </a:t>
+            </a:r>
+            <a:r>
+              <a:rPr lang="en-US" dirty="0"/>
+              <a:t>Twitch</a:t>
+            </a:r>
+            <a:endParaRPr lang="ru-RU" dirty="0"/>
+          </a:p>
+        </p:txBody>
+      </p:sp>
+      <p:sp>
+        <p:nvSpPr>
+          <p:cNvPr id="3" name="Google Shape;247;p35">
+            <a:extLst>
+              <a:ext uri="{FF2B5EF4-FFF2-40B4-BE49-F238E27FC236}">
+                <a16:creationId xmlns:a16="http://schemas.microsoft.com/office/drawing/2014/main" id="{6545B4B9-F6D5-41CD-B314-5262A6E6C6A4}"/>
+              </a:ext>
+            </a:extLst>
+          </p:cNvPr>
+          <p:cNvSpPr txBox="1">
+            <a:spLocks/>
+          </p:cNvSpPr>
+          <p:nvPr/>
+        </p:nvSpPr>
+        <p:spPr>
+          <a:xfrm>
+            <a:off x="719999" y="1040910"/>
+            <a:ext cx="6500607" cy="463519"/>
+          </a:xfrm>
+          <a:prstGeom prst="rect">
+            <a:avLst/>
+          </a:prstGeom>
+        </p:spPr>
+        <p:txBody>
+          <a:bodyPr spcFirstLastPara="1" wrap="square" lIns="91425" tIns="91425" rIns="91425" bIns="91425" anchor="t" anchorCtr="0">
+            <a:noAutofit/>
+          </a:bodyPr>
+          <a:lstStyle>
+            <a:defPPr marR="0" lvl="0" algn="l" rtl="0">
+              <a:lnSpc>
+                <a:spcPct val="100000"/>
+              </a:lnSpc>
+              <a:spcBef>
+                <a:spcPts val="0"/>
+              </a:spcBef>
+              <a:spcAft>
+                <a:spcPts val="0"/>
+              </a:spcAft>
+            </a:defPPr>
+            <a:lvl1pPr marR="0" lvl="0" algn="l" rtl="0">
+              <a:lnSpc>
+                <a:spcPct val="100000"/>
+              </a:lnSpc>
+              <a:spcBef>
+                <a:spcPts val="0"/>
+              </a:spcBef>
+              <a:spcAft>
+                <a:spcPts val="0"/>
+              </a:spcAft>
+              <a:buClr>
+                <a:srgbClr val="000000"/>
+              </a:buClr>
+              <a:buFont typeface="Arial"/>
+              <a:defRPr sz="1400" b="0" i="0" u="none" strike="noStrike" cap="none">
+                <a:solidFill>
+                  <a:srgbClr val="000000"/>
+                </a:solidFill>
+                <a:latin typeface="Arial"/>
+                <a:ea typeface="Arial"/>
+                <a:cs typeface="Arial"/>
+                <a:sym typeface="Arial"/>
+              </a:defRPr>
+            </a:lvl1pPr>
+            <a:lvl2pPr marR="0" lvl="1" algn="l" rtl="0">
+              <a:lnSpc>
+                <a:spcPct val="100000"/>
+              </a:lnSpc>
+              <a:spcBef>
+                <a:spcPts val="0"/>
+              </a:spcBef>
+              <a:spcAft>
+                <a:spcPts val="0"/>
+              </a:spcAft>
+              <a:buClr>
+                <a:srgbClr val="000000"/>
+              </a:buClr>
+              <a:buFont typeface="Arial"/>
+              <a:defRPr sz="1400" b="0" i="0" u="none" strike="noStrike" cap="none">
+                <a:solidFill>
+                  <a:srgbClr val="000000"/>
+                </a:solidFill>
+                <a:latin typeface="Arial"/>
+                <a:ea typeface="Arial"/>
+                <a:cs typeface="Arial"/>
+                <a:sym typeface="Arial"/>
+              </a:defRPr>
+            </a:lvl2pPr>
+            <a:lvl3pPr marR="0" lvl="2" algn="l" rtl="0">
+              <a:lnSpc>
+                <a:spcPct val="100000"/>
+              </a:lnSpc>
+              <a:spcBef>
+                <a:spcPts val="0"/>
+              </a:spcBef>
+              <a:spcAft>
+                <a:spcPts val="0"/>
+              </a:spcAft>
+              <a:buClr>
+                <a:srgbClr val="000000"/>
+              </a:buClr>
+              <a:buFont typeface="Arial"/>
+              <a:defRPr sz="1400" b="0" i="0" u="none" strike="noStrike" cap="none">
+                <a:solidFill>
+                  <a:srgbClr val="000000"/>
+                </a:solidFill>
+                <a:latin typeface="Arial"/>
+                <a:ea typeface="Arial"/>
+                <a:cs typeface="Arial"/>
+                <a:sym typeface="Arial"/>
+              </a:defRPr>
+            </a:lvl3pPr>
+            <a:lvl4pPr marR="0" lvl="3" algn="l" rtl="0">
+              <a:lnSpc>
+                <a:spcPct val="100000"/>
+              </a:lnSpc>
+              <a:spcBef>
+                <a:spcPts val="0"/>
+              </a:spcBef>
+              <a:spcAft>
+                <a:spcPts val="0"/>
+              </a:spcAft>
+              <a:buClr>
+                <a:srgbClr val="000000"/>
+              </a:buClr>
+              <a:buFont typeface="Arial"/>
+              <a:defRPr sz="1400" b="0" i="0" u="none" strike="noStrike" cap="none">
+                <a:solidFill>
+                  <a:srgbClr val="000000"/>
+                </a:solidFill>
+                <a:latin typeface="Arial"/>
+                <a:ea typeface="Arial"/>
+                <a:cs typeface="Arial"/>
+                <a:sym typeface="Arial"/>
+              </a:defRPr>
+            </a:lvl4pPr>
+            <a:lvl5pPr marR="0" lvl="4" algn="l" rtl="0">
+              <a:lnSpc>
+                <a:spcPct val="100000"/>
+              </a:lnSpc>
+              <a:spcBef>
+                <a:spcPts val="0"/>
+              </a:spcBef>
+              <a:spcAft>
+                <a:spcPts val="0"/>
+              </a:spcAft>
+              <a:buClr>
+                <a:srgbClr val="000000"/>
+              </a:buClr>
+              <a:buFont typeface="Arial"/>
+              <a:defRPr sz="1400" b="0" i="0" u="none" strike="noStrike" cap="none">
+                <a:solidFill>
+                  <a:srgbClr val="000000"/>
+                </a:solidFill>
+                <a:latin typeface="Arial"/>
+                <a:ea typeface="Arial"/>
+                <a:cs typeface="Arial"/>
+                <a:sym typeface="Arial"/>
+              </a:defRPr>
+            </a:lvl5pPr>
+            <a:lvl6pPr marR="0" lvl="5" algn="l" rtl="0">
+              <a:lnSpc>
+                <a:spcPct val="100000"/>
+              </a:lnSpc>
+              <a:spcBef>
+                <a:spcPts val="0"/>
+              </a:spcBef>
+              <a:spcAft>
+                <a:spcPts val="0"/>
+              </a:spcAft>
+              <a:buClr>
+                <a:srgbClr val="000000"/>
+              </a:buClr>
+              <a:buFont typeface="Arial"/>
+              <a:defRPr sz="1400" b="0" i="0" u="none" strike="noStrike" cap="none">
+                <a:solidFill>
+                  <a:srgbClr val="000000"/>
+                </a:solidFill>
+                <a:latin typeface="Arial"/>
+                <a:ea typeface="Arial"/>
+                <a:cs typeface="Arial"/>
+                <a:sym typeface="Arial"/>
+              </a:defRPr>
+            </a:lvl6pPr>
+            <a:lvl7pPr marR="0" lvl="6" algn="l" rtl="0">
+              <a:lnSpc>
+                <a:spcPct val="100000"/>
+              </a:lnSpc>
+              <a:spcBef>
+                <a:spcPts val="0"/>
+              </a:spcBef>
+              <a:spcAft>
+                <a:spcPts val="0"/>
+              </a:spcAft>
+              <a:buClr>
+                <a:srgbClr val="000000"/>
+              </a:buClr>
+              <a:buFont typeface="Arial"/>
+              <a:defRPr sz="1400" b="0" i="0" u="none" strike="noStrike" cap="none">
+                <a:solidFill>
+                  <a:srgbClr val="000000"/>
+                </a:solidFill>
+                <a:latin typeface="Arial"/>
+                <a:ea typeface="Arial"/>
+                <a:cs typeface="Arial"/>
+                <a:sym typeface="Arial"/>
+              </a:defRPr>
+            </a:lvl7pPr>
+            <a:lvl8pPr marR="0" lvl="7" algn="l" rtl="0">
+              <a:lnSpc>
+                <a:spcPct val="100000"/>
+              </a:lnSpc>
+              <a:spcBef>
+                <a:spcPts val="0"/>
+              </a:spcBef>
+              <a:spcAft>
+                <a:spcPts val="0"/>
+              </a:spcAft>
+              <a:buClr>
+                <a:srgbClr val="000000"/>
+              </a:buClr>
+              <a:buFont typeface="Arial"/>
+              <a:defRPr sz="1400" b="0" i="0" u="none" strike="noStrike" cap="none">
+                <a:solidFill>
+                  <a:srgbClr val="000000"/>
+                </a:solidFill>
+                <a:latin typeface="Arial"/>
+                <a:ea typeface="Arial"/>
+                <a:cs typeface="Arial"/>
+                <a:sym typeface="Arial"/>
+              </a:defRPr>
+            </a:lvl8pPr>
+            <a:lvl9pPr marR="0" lvl="8" algn="l" rtl="0">
+              <a:lnSpc>
+                <a:spcPct val="100000"/>
+              </a:lnSpc>
+              <a:spcBef>
+                <a:spcPts val="0"/>
+              </a:spcBef>
+              <a:spcAft>
+                <a:spcPts val="0"/>
+              </a:spcAft>
+              <a:buClr>
+                <a:srgbClr val="000000"/>
+              </a:buClr>
+              <a:buFont typeface="Arial"/>
+              <a:defRPr sz="1400" b="0" i="0" u="none" strike="noStrike" cap="none">
+                <a:solidFill>
+                  <a:srgbClr val="000000"/>
+                </a:solidFill>
+                <a:latin typeface="Arial"/>
+                <a:ea typeface="Arial"/>
+                <a:cs typeface="Arial"/>
+                <a:sym typeface="Arial"/>
+              </a:defRPr>
+            </a:lvl9pPr>
+          </a:lstStyle>
+          <a:p>
+            <a:r>
+              <a:rPr lang="ru-RU" dirty="0"/>
+              <a:t>Была использована библиотека </a:t>
+            </a:r>
+            <a:r>
+              <a:rPr lang="en-US" b="0" dirty="0" err="1">
+                <a:solidFill>
+                  <a:srgbClr val="4EC9B0"/>
+                </a:solidFill>
+                <a:effectLst/>
+                <a:latin typeface="Consolas" panose="020B0609020204030204" pitchFamily="49" charset="0"/>
+              </a:rPr>
+              <a:t>twitchio</a:t>
+            </a:r>
+            <a:endParaRPr lang="en-US" b="0" dirty="0">
+              <a:solidFill>
+                <a:srgbClr val="CCCCCC"/>
+              </a:solidFill>
+              <a:effectLst/>
+              <a:latin typeface="Consolas" panose="020B0609020204030204" pitchFamily="49" charset="0"/>
+            </a:endParaRPr>
+          </a:p>
+          <a:p>
+            <a:endParaRPr lang="ru-RU" dirty="0"/>
+          </a:p>
+        </p:txBody>
+      </p:sp>
+      <p:sp>
+        <p:nvSpPr>
+          <p:cNvPr id="4" name="Google Shape;247;p35">
+            <a:extLst>
+              <a:ext uri="{FF2B5EF4-FFF2-40B4-BE49-F238E27FC236}">
+                <a16:creationId xmlns:a16="http://schemas.microsoft.com/office/drawing/2014/main" id="{52D1940C-F62E-44B0-9017-3FBA5E87BF59}"/>
+              </a:ext>
+            </a:extLst>
+          </p:cNvPr>
+          <p:cNvSpPr txBox="1">
+            <a:spLocks/>
+          </p:cNvSpPr>
+          <p:nvPr/>
+        </p:nvSpPr>
+        <p:spPr>
+          <a:xfrm>
+            <a:off x="719999" y="1433018"/>
+            <a:ext cx="6500607" cy="463519"/>
+          </a:xfrm>
+          <a:prstGeom prst="rect">
+            <a:avLst/>
+          </a:prstGeom>
+        </p:spPr>
+        <p:txBody>
+          <a:bodyPr spcFirstLastPara="1" wrap="square" lIns="91425" tIns="91425" rIns="91425" bIns="91425" anchor="t" anchorCtr="0">
+            <a:noAutofit/>
+          </a:bodyPr>
+          <a:lstStyle>
+            <a:defPPr marR="0" lvl="0" algn="l" rtl="0">
+              <a:lnSpc>
+                <a:spcPct val="100000"/>
+              </a:lnSpc>
+              <a:spcBef>
+                <a:spcPts val="0"/>
+              </a:spcBef>
+              <a:spcAft>
+                <a:spcPts val="0"/>
+              </a:spcAft>
+            </a:defPPr>
+            <a:lvl1pPr marR="0" lvl="0" algn="l" rtl="0">
+              <a:lnSpc>
+                <a:spcPct val="100000"/>
+              </a:lnSpc>
+              <a:spcBef>
+                <a:spcPts val="0"/>
+              </a:spcBef>
+              <a:spcAft>
+                <a:spcPts val="0"/>
+              </a:spcAft>
+              <a:buClr>
+                <a:srgbClr val="000000"/>
+              </a:buClr>
+              <a:buFont typeface="Arial"/>
+              <a:defRPr sz="1400" b="0" i="0" u="none" strike="noStrike" cap="none">
+                <a:solidFill>
+                  <a:srgbClr val="000000"/>
+                </a:solidFill>
+                <a:latin typeface="Arial"/>
+                <a:ea typeface="Arial"/>
+                <a:cs typeface="Arial"/>
+                <a:sym typeface="Arial"/>
+              </a:defRPr>
+            </a:lvl1pPr>
+            <a:lvl2pPr marR="0" lvl="1" algn="l" rtl="0">
+              <a:lnSpc>
+                <a:spcPct val="100000"/>
+              </a:lnSpc>
+              <a:spcBef>
+                <a:spcPts val="0"/>
+              </a:spcBef>
+              <a:spcAft>
+                <a:spcPts val="0"/>
+              </a:spcAft>
+              <a:buClr>
+                <a:srgbClr val="000000"/>
+              </a:buClr>
+              <a:buFont typeface="Arial"/>
+              <a:defRPr sz="1400" b="0" i="0" u="none" strike="noStrike" cap="none">
+                <a:solidFill>
+                  <a:srgbClr val="000000"/>
+                </a:solidFill>
+                <a:latin typeface="Arial"/>
+                <a:ea typeface="Arial"/>
+                <a:cs typeface="Arial"/>
+                <a:sym typeface="Arial"/>
+              </a:defRPr>
+            </a:lvl2pPr>
+            <a:lvl3pPr marR="0" lvl="2" algn="l" rtl="0">
+              <a:lnSpc>
+                <a:spcPct val="100000"/>
+              </a:lnSpc>
+              <a:spcBef>
+                <a:spcPts val="0"/>
+              </a:spcBef>
+              <a:spcAft>
+                <a:spcPts val="0"/>
+              </a:spcAft>
+              <a:buClr>
+                <a:srgbClr val="000000"/>
+              </a:buClr>
+              <a:buFont typeface="Arial"/>
+              <a:defRPr sz="1400" b="0" i="0" u="none" strike="noStrike" cap="none">
+                <a:solidFill>
+                  <a:srgbClr val="000000"/>
+                </a:solidFill>
+                <a:latin typeface="Arial"/>
+                <a:ea typeface="Arial"/>
+                <a:cs typeface="Arial"/>
+                <a:sym typeface="Arial"/>
+              </a:defRPr>
+            </a:lvl3pPr>
+            <a:lvl4pPr marR="0" lvl="3" algn="l" rtl="0">
+              <a:lnSpc>
+                <a:spcPct val="100000"/>
+              </a:lnSpc>
+              <a:spcBef>
+                <a:spcPts val="0"/>
+              </a:spcBef>
+              <a:spcAft>
+                <a:spcPts val="0"/>
+              </a:spcAft>
+              <a:buClr>
+                <a:srgbClr val="000000"/>
+              </a:buClr>
+              <a:buFont typeface="Arial"/>
+              <a:defRPr sz="1400" b="0" i="0" u="none" strike="noStrike" cap="none">
+                <a:solidFill>
+                  <a:srgbClr val="000000"/>
+                </a:solidFill>
+                <a:latin typeface="Arial"/>
+                <a:ea typeface="Arial"/>
+                <a:cs typeface="Arial"/>
+                <a:sym typeface="Arial"/>
+              </a:defRPr>
+            </a:lvl4pPr>
+            <a:lvl5pPr marR="0" lvl="4" algn="l" rtl="0">
+              <a:lnSpc>
+                <a:spcPct val="100000"/>
+              </a:lnSpc>
+              <a:spcBef>
+                <a:spcPts val="0"/>
+              </a:spcBef>
+              <a:spcAft>
+                <a:spcPts val="0"/>
+              </a:spcAft>
+              <a:buClr>
+                <a:srgbClr val="000000"/>
+              </a:buClr>
+              <a:buFont typeface="Arial"/>
+              <a:defRPr sz="1400" b="0" i="0" u="none" strike="noStrike" cap="none">
+                <a:solidFill>
+                  <a:srgbClr val="000000"/>
+                </a:solidFill>
+                <a:latin typeface="Arial"/>
+                <a:ea typeface="Arial"/>
+                <a:cs typeface="Arial"/>
+                <a:sym typeface="Arial"/>
+              </a:defRPr>
+            </a:lvl5pPr>
+            <a:lvl6pPr marR="0" lvl="5" algn="l" rtl="0">
+              <a:lnSpc>
+                <a:spcPct val="100000"/>
+              </a:lnSpc>
+              <a:spcBef>
+                <a:spcPts val="0"/>
+              </a:spcBef>
+              <a:spcAft>
+                <a:spcPts val="0"/>
+              </a:spcAft>
+              <a:buClr>
+                <a:srgbClr val="000000"/>
+              </a:buClr>
+              <a:buFont typeface="Arial"/>
+              <a:defRPr sz="1400" b="0" i="0" u="none" strike="noStrike" cap="none">
+                <a:solidFill>
+                  <a:srgbClr val="000000"/>
+                </a:solidFill>
+                <a:latin typeface="Arial"/>
+                <a:ea typeface="Arial"/>
+                <a:cs typeface="Arial"/>
+                <a:sym typeface="Arial"/>
+              </a:defRPr>
+            </a:lvl6pPr>
+            <a:lvl7pPr marR="0" lvl="6" algn="l" rtl="0">
+              <a:lnSpc>
+                <a:spcPct val="100000"/>
+              </a:lnSpc>
+              <a:spcBef>
+                <a:spcPts val="0"/>
+              </a:spcBef>
+              <a:spcAft>
+                <a:spcPts val="0"/>
+              </a:spcAft>
+              <a:buClr>
+                <a:srgbClr val="000000"/>
+              </a:buClr>
+              <a:buFont typeface="Arial"/>
+              <a:defRPr sz="1400" b="0" i="0" u="none" strike="noStrike" cap="none">
+                <a:solidFill>
+                  <a:srgbClr val="000000"/>
+                </a:solidFill>
+                <a:latin typeface="Arial"/>
+                <a:ea typeface="Arial"/>
+                <a:cs typeface="Arial"/>
+                <a:sym typeface="Arial"/>
+              </a:defRPr>
+            </a:lvl7pPr>
+            <a:lvl8pPr marR="0" lvl="7" algn="l" rtl="0">
+              <a:lnSpc>
+                <a:spcPct val="100000"/>
+              </a:lnSpc>
+              <a:spcBef>
+                <a:spcPts val="0"/>
+              </a:spcBef>
+              <a:spcAft>
+                <a:spcPts val="0"/>
+              </a:spcAft>
+              <a:buClr>
+                <a:srgbClr val="000000"/>
+              </a:buClr>
+              <a:buFont typeface="Arial"/>
+              <a:defRPr sz="1400" b="0" i="0" u="none" strike="noStrike" cap="none">
+                <a:solidFill>
+                  <a:srgbClr val="000000"/>
+                </a:solidFill>
+                <a:latin typeface="Arial"/>
+                <a:ea typeface="Arial"/>
+                <a:cs typeface="Arial"/>
+                <a:sym typeface="Arial"/>
+              </a:defRPr>
+            </a:lvl8pPr>
+            <a:lvl9pPr marR="0" lvl="8" algn="l" rtl="0">
+              <a:lnSpc>
+                <a:spcPct val="100000"/>
+              </a:lnSpc>
+              <a:spcBef>
+                <a:spcPts val="0"/>
+              </a:spcBef>
+              <a:spcAft>
+                <a:spcPts val="0"/>
+              </a:spcAft>
+              <a:buClr>
+                <a:srgbClr val="000000"/>
+              </a:buClr>
+              <a:buFont typeface="Arial"/>
+              <a:defRPr sz="1400" b="0" i="0" u="none" strike="noStrike" cap="none">
+                <a:solidFill>
+                  <a:srgbClr val="000000"/>
+                </a:solidFill>
+                <a:latin typeface="Arial"/>
+                <a:ea typeface="Arial"/>
+                <a:cs typeface="Arial"/>
+                <a:sym typeface="Arial"/>
+              </a:defRPr>
+            </a:lvl9pPr>
+          </a:lstStyle>
+          <a:p>
+            <a:r>
+              <a:rPr lang="ru-RU" dirty="0"/>
+              <a:t>Сервис позволяет разместить в конфигурации список каналов, на которых будут отслеживаться комментарии.</a:t>
+            </a:r>
+          </a:p>
+          <a:p>
+            <a:endParaRPr lang="ru-RU" dirty="0"/>
+          </a:p>
+          <a:p>
+            <a:r>
+              <a:rPr lang="ru-RU" dirty="0"/>
+              <a:t>В текущей  версии в конфигурации заложено использование канала автора работы </a:t>
+            </a:r>
+            <a:r>
+              <a:rPr lang="en-US" dirty="0" err="1"/>
+              <a:t>stepycdragon</a:t>
+            </a:r>
+            <a:r>
+              <a:rPr lang="en-US" dirty="0"/>
+              <a:t> </a:t>
+            </a:r>
+            <a:r>
+              <a:rPr lang="ru-RU" dirty="0"/>
+              <a:t>и двух тестовых </a:t>
+            </a:r>
+            <a:r>
+              <a:rPr lang="en-US" b="0" dirty="0" err="1">
+                <a:solidFill>
+                  <a:srgbClr val="CE9178"/>
+                </a:solidFill>
+                <a:effectLst/>
+                <a:latin typeface="Consolas" panose="020B0609020204030204" pitchFamily="49" charset="0"/>
+              </a:rPr>
+              <a:t>leekbeats</a:t>
+            </a:r>
+            <a:r>
+              <a:rPr lang="ru-RU" b="0" dirty="0">
+                <a:solidFill>
+                  <a:srgbClr val="CE9178"/>
+                </a:solidFill>
+                <a:effectLst/>
+                <a:latin typeface="Consolas" panose="020B0609020204030204" pitchFamily="49" charset="0"/>
+              </a:rPr>
+              <a:t> и </a:t>
+            </a:r>
+            <a:r>
+              <a:rPr lang="en-US" b="0" dirty="0" err="1">
+                <a:solidFill>
+                  <a:srgbClr val="CE9178"/>
+                </a:solidFill>
+                <a:effectLst/>
+                <a:latin typeface="Consolas" panose="020B0609020204030204" pitchFamily="49" charset="0"/>
+              </a:rPr>
+              <a:t>wipr</a:t>
+            </a:r>
+            <a:r>
+              <a:rPr lang="ru-RU" b="0" dirty="0">
+                <a:solidFill>
+                  <a:srgbClr val="CE9178"/>
+                </a:solidFill>
+                <a:effectLst/>
+                <a:latin typeface="Consolas" panose="020B0609020204030204" pitchFamily="49" charset="0"/>
+              </a:rPr>
+              <a:t>.</a:t>
+            </a:r>
+          </a:p>
+          <a:p>
+            <a:endParaRPr lang="ru-RU" b="0" dirty="0">
+              <a:solidFill>
+                <a:srgbClr val="CCCCCC"/>
+              </a:solidFill>
+              <a:effectLst/>
+              <a:latin typeface="Consolas" panose="020B0609020204030204" pitchFamily="49" charset="0"/>
+            </a:endParaRPr>
+          </a:p>
+          <a:p>
+            <a:endParaRPr lang="en-US" b="0" dirty="0">
+              <a:solidFill>
+                <a:srgbClr val="CCCCCC"/>
+              </a:solidFill>
+              <a:effectLst/>
+              <a:latin typeface="Consolas" panose="020B0609020204030204" pitchFamily="49" charset="0"/>
+            </a:endParaRPr>
+          </a:p>
+          <a:p>
+            <a:endParaRPr lang="ru-RU" dirty="0"/>
+          </a:p>
+        </p:txBody>
+      </p:sp>
+      <p:pic>
+        <p:nvPicPr>
+          <p:cNvPr id="6" name="Рисунок 5">
+            <a:extLst>
+              <a:ext uri="{FF2B5EF4-FFF2-40B4-BE49-F238E27FC236}">
+                <a16:creationId xmlns:a16="http://schemas.microsoft.com/office/drawing/2014/main" id="{8AF0B199-03BD-4B43-9D67-4DBC906FDB48}"/>
+              </a:ext>
+            </a:extLst>
+          </p:cNvPr>
+          <p:cNvPicPr>
+            <a:picLocks noChangeAspect="1"/>
+          </p:cNvPicPr>
+          <p:nvPr/>
+        </p:nvPicPr>
+        <p:blipFill>
+          <a:blip r:embed="rId2"/>
+          <a:stretch>
+            <a:fillRect/>
+          </a:stretch>
+        </p:blipFill>
+        <p:spPr>
+          <a:xfrm>
+            <a:off x="796981" y="2719551"/>
+            <a:ext cx="4409078" cy="2054767"/>
+          </a:xfrm>
+          <a:prstGeom prst="rect">
+            <a:avLst/>
+          </a:prstGeom>
+        </p:spPr>
+      </p:pic>
+    </p:spTree>
+    <p:extLst>
+      <p:ext uri="{BB962C8B-B14F-4D97-AF65-F5344CB8AC3E}">
+        <p14:creationId xmlns:p14="http://schemas.microsoft.com/office/powerpoint/2010/main" val="2645639013"/>
+      </p:ext>
+    </p:extLst>
+  </p:cSld>
+  <p:clrMapOvr>
+    <a:masterClrMapping/>
+  </p:clrMapOvr>
+</p:sld>
+</file>
+
+<file path=ppt/slides/slide44.xml><?xml version="1.0" encoding="utf-8"?>
+<p:sld xmlns:a="http://schemas.openxmlformats.org/drawingml/2006/main" xmlns:r="http://schemas.openxmlformats.org/officeDocument/2006/relationships" xmlns:p="http://schemas.openxmlformats.org/presentationml/2006/main">
+  <p:cSld>
+    <p:spTree>
+      <p:nvGrpSpPr>
+        <p:cNvPr id="1" name=""/>
+        <p:cNvGrpSpPr/>
+        <p:nvPr/>
+      </p:nvGrpSpPr>
+      <p:grpSpPr>
+        <a:xfrm>
+          <a:off x="0" y="0"/>
+          <a:ext cx="0" cy="0"/>
+          <a:chOff x="0" y="0"/>
+          <a:chExt cx="0" cy="0"/>
+        </a:xfrm>
+      </p:grpSpPr>
+      <p:sp>
+        <p:nvSpPr>
+          <p:cNvPr id="2" name="Заголовок 1">
+            <a:extLst>
+              <a:ext uri="{FF2B5EF4-FFF2-40B4-BE49-F238E27FC236}">
                 <a16:creationId xmlns:a16="http://schemas.microsoft.com/office/drawing/2014/main" id="{D12DCBC8-2C6E-4841-9CC5-5497C28951BF}"/>
               </a:ext>
             </a:extLst>
@@ -32070,6 +32908,327 @@
           </a:p>
         </p:txBody>
       </p:sp>
+      <p:sp>
+        <p:nvSpPr>
+          <p:cNvPr id="4" name="TextBox 3">
+            <a:extLst>
+              <a:ext uri="{FF2B5EF4-FFF2-40B4-BE49-F238E27FC236}">
+                <a16:creationId xmlns:a16="http://schemas.microsoft.com/office/drawing/2014/main" id="{D0A943C4-B48F-4EC7-9E13-E6332DE5B302}"/>
+              </a:ext>
+            </a:extLst>
+          </p:cNvPr>
+          <p:cNvSpPr txBox="1"/>
+          <p:nvPr/>
+        </p:nvSpPr>
+        <p:spPr>
+          <a:xfrm>
+            <a:off x="646387" y="2501950"/>
+            <a:ext cx="6357445" cy="738664"/>
+          </a:xfrm>
+          <a:prstGeom prst="rect">
+            <a:avLst/>
+          </a:prstGeom>
+          <a:noFill/>
+        </p:spPr>
+        <p:txBody>
+          <a:bodyPr wrap="square">
+            <a:spAutoFit/>
+          </a:bodyPr>
+          <a:lstStyle/>
+          <a:p>
+            <a:r>
+              <a:rPr lang="ru-RU" dirty="0"/>
+              <a:t>Для этого написан скрипт, отрабатывающий каждые три часа </a:t>
+            </a:r>
+            <a:r>
+              <a:rPr lang="ru-RU" dirty="0">
+                <a:hlinkClick r:id="rId2"/>
+              </a:rPr>
+              <a:t>https://github.com/Stepan5024/itmo-ai-stream/blob/main/application/check_bad_data.py</a:t>
+            </a:r>
+            <a:r>
+              <a:rPr lang="ru-RU" dirty="0"/>
+              <a:t> </a:t>
+            </a:r>
+          </a:p>
+        </p:txBody>
+      </p:sp>
+      <p:sp>
+        <p:nvSpPr>
+          <p:cNvPr id="5" name="Google Shape;247;p35">
+            <a:extLst>
+              <a:ext uri="{FF2B5EF4-FFF2-40B4-BE49-F238E27FC236}">
+                <a16:creationId xmlns:a16="http://schemas.microsoft.com/office/drawing/2014/main" id="{3335F950-BE84-466A-A960-E69255370CC2}"/>
+              </a:ext>
+            </a:extLst>
+          </p:cNvPr>
+          <p:cNvSpPr txBox="1">
+            <a:spLocks/>
+          </p:cNvSpPr>
+          <p:nvPr/>
+        </p:nvSpPr>
+        <p:spPr>
+          <a:xfrm>
+            <a:off x="646387" y="1504430"/>
+            <a:ext cx="6574220" cy="997520"/>
+          </a:xfrm>
+          <a:prstGeom prst="rect">
+            <a:avLst/>
+          </a:prstGeom>
+        </p:spPr>
+        <p:txBody>
+          <a:bodyPr spcFirstLastPara="1" wrap="square" lIns="91425" tIns="91425" rIns="91425" bIns="91425" anchor="t" anchorCtr="0">
+            <a:noAutofit/>
+          </a:bodyPr>
+          <a:lstStyle>
+            <a:defPPr marR="0" lvl="0" algn="l" rtl="0">
+              <a:lnSpc>
+                <a:spcPct val="100000"/>
+              </a:lnSpc>
+              <a:spcBef>
+                <a:spcPts val="0"/>
+              </a:spcBef>
+              <a:spcAft>
+                <a:spcPts val="0"/>
+              </a:spcAft>
+            </a:defPPr>
+            <a:lvl1pPr marR="0" lvl="0" algn="l" rtl="0">
+              <a:lnSpc>
+                <a:spcPct val="100000"/>
+              </a:lnSpc>
+              <a:spcBef>
+                <a:spcPts val="0"/>
+              </a:spcBef>
+              <a:spcAft>
+                <a:spcPts val="0"/>
+              </a:spcAft>
+              <a:buClr>
+                <a:srgbClr val="000000"/>
+              </a:buClr>
+              <a:buFont typeface="Arial"/>
+              <a:defRPr sz="1400" b="0" i="0" u="none" strike="noStrike" cap="none">
+                <a:solidFill>
+                  <a:srgbClr val="000000"/>
+                </a:solidFill>
+                <a:latin typeface="Arial"/>
+                <a:ea typeface="Arial"/>
+                <a:cs typeface="Arial"/>
+                <a:sym typeface="Arial"/>
+              </a:defRPr>
+            </a:lvl1pPr>
+            <a:lvl2pPr marR="0" lvl="1" algn="l" rtl="0">
+              <a:lnSpc>
+                <a:spcPct val="100000"/>
+              </a:lnSpc>
+              <a:spcBef>
+                <a:spcPts val="0"/>
+              </a:spcBef>
+              <a:spcAft>
+                <a:spcPts val="0"/>
+              </a:spcAft>
+              <a:buClr>
+                <a:srgbClr val="000000"/>
+              </a:buClr>
+              <a:buFont typeface="Arial"/>
+              <a:defRPr sz="1400" b="0" i="0" u="none" strike="noStrike" cap="none">
+                <a:solidFill>
+                  <a:srgbClr val="000000"/>
+                </a:solidFill>
+                <a:latin typeface="Arial"/>
+                <a:ea typeface="Arial"/>
+                <a:cs typeface="Arial"/>
+                <a:sym typeface="Arial"/>
+              </a:defRPr>
+            </a:lvl2pPr>
+            <a:lvl3pPr marR="0" lvl="2" algn="l" rtl="0">
+              <a:lnSpc>
+                <a:spcPct val="100000"/>
+              </a:lnSpc>
+              <a:spcBef>
+                <a:spcPts val="0"/>
+              </a:spcBef>
+              <a:spcAft>
+                <a:spcPts val="0"/>
+              </a:spcAft>
+              <a:buClr>
+                <a:srgbClr val="000000"/>
+              </a:buClr>
+              <a:buFont typeface="Arial"/>
+              <a:defRPr sz="1400" b="0" i="0" u="none" strike="noStrike" cap="none">
+                <a:solidFill>
+                  <a:srgbClr val="000000"/>
+                </a:solidFill>
+                <a:latin typeface="Arial"/>
+                <a:ea typeface="Arial"/>
+                <a:cs typeface="Arial"/>
+                <a:sym typeface="Arial"/>
+              </a:defRPr>
+            </a:lvl3pPr>
+            <a:lvl4pPr marR="0" lvl="3" algn="l" rtl="0">
+              <a:lnSpc>
+                <a:spcPct val="100000"/>
+              </a:lnSpc>
+              <a:spcBef>
+                <a:spcPts val="0"/>
+              </a:spcBef>
+              <a:spcAft>
+                <a:spcPts val="0"/>
+              </a:spcAft>
+              <a:buClr>
+                <a:srgbClr val="000000"/>
+              </a:buClr>
+              <a:buFont typeface="Arial"/>
+              <a:defRPr sz="1400" b="0" i="0" u="none" strike="noStrike" cap="none">
+                <a:solidFill>
+                  <a:srgbClr val="000000"/>
+                </a:solidFill>
+                <a:latin typeface="Arial"/>
+                <a:ea typeface="Arial"/>
+                <a:cs typeface="Arial"/>
+                <a:sym typeface="Arial"/>
+              </a:defRPr>
+            </a:lvl4pPr>
+            <a:lvl5pPr marR="0" lvl="4" algn="l" rtl="0">
+              <a:lnSpc>
+                <a:spcPct val="100000"/>
+              </a:lnSpc>
+              <a:spcBef>
+                <a:spcPts val="0"/>
+              </a:spcBef>
+              <a:spcAft>
+                <a:spcPts val="0"/>
+              </a:spcAft>
+              <a:buClr>
+                <a:srgbClr val="000000"/>
+              </a:buClr>
+              <a:buFont typeface="Arial"/>
+              <a:defRPr sz="1400" b="0" i="0" u="none" strike="noStrike" cap="none">
+                <a:solidFill>
+                  <a:srgbClr val="000000"/>
+                </a:solidFill>
+                <a:latin typeface="Arial"/>
+                <a:ea typeface="Arial"/>
+                <a:cs typeface="Arial"/>
+                <a:sym typeface="Arial"/>
+              </a:defRPr>
+            </a:lvl5pPr>
+            <a:lvl6pPr marR="0" lvl="5" algn="l" rtl="0">
+              <a:lnSpc>
+                <a:spcPct val="100000"/>
+              </a:lnSpc>
+              <a:spcBef>
+                <a:spcPts val="0"/>
+              </a:spcBef>
+              <a:spcAft>
+                <a:spcPts val="0"/>
+              </a:spcAft>
+              <a:buClr>
+                <a:srgbClr val="000000"/>
+              </a:buClr>
+              <a:buFont typeface="Arial"/>
+              <a:defRPr sz="1400" b="0" i="0" u="none" strike="noStrike" cap="none">
+                <a:solidFill>
+                  <a:srgbClr val="000000"/>
+                </a:solidFill>
+                <a:latin typeface="Arial"/>
+                <a:ea typeface="Arial"/>
+                <a:cs typeface="Arial"/>
+                <a:sym typeface="Arial"/>
+              </a:defRPr>
+            </a:lvl6pPr>
+            <a:lvl7pPr marR="0" lvl="6" algn="l" rtl="0">
+              <a:lnSpc>
+                <a:spcPct val="100000"/>
+              </a:lnSpc>
+              <a:spcBef>
+                <a:spcPts val="0"/>
+              </a:spcBef>
+              <a:spcAft>
+                <a:spcPts val="0"/>
+              </a:spcAft>
+              <a:buClr>
+                <a:srgbClr val="000000"/>
+              </a:buClr>
+              <a:buFont typeface="Arial"/>
+              <a:defRPr sz="1400" b="0" i="0" u="none" strike="noStrike" cap="none">
+                <a:solidFill>
+                  <a:srgbClr val="000000"/>
+                </a:solidFill>
+                <a:latin typeface="Arial"/>
+                <a:ea typeface="Arial"/>
+                <a:cs typeface="Arial"/>
+                <a:sym typeface="Arial"/>
+              </a:defRPr>
+            </a:lvl7pPr>
+            <a:lvl8pPr marR="0" lvl="7" algn="l" rtl="0">
+              <a:lnSpc>
+                <a:spcPct val="100000"/>
+              </a:lnSpc>
+              <a:spcBef>
+                <a:spcPts val="0"/>
+              </a:spcBef>
+              <a:spcAft>
+                <a:spcPts val="0"/>
+              </a:spcAft>
+              <a:buClr>
+                <a:srgbClr val="000000"/>
+              </a:buClr>
+              <a:buFont typeface="Arial"/>
+              <a:defRPr sz="1400" b="0" i="0" u="none" strike="noStrike" cap="none">
+                <a:solidFill>
+                  <a:srgbClr val="000000"/>
+                </a:solidFill>
+                <a:latin typeface="Arial"/>
+                <a:ea typeface="Arial"/>
+                <a:cs typeface="Arial"/>
+                <a:sym typeface="Arial"/>
+              </a:defRPr>
+            </a:lvl8pPr>
+            <a:lvl9pPr marR="0" lvl="8" algn="l" rtl="0">
+              <a:lnSpc>
+                <a:spcPct val="100000"/>
+              </a:lnSpc>
+              <a:spcBef>
+                <a:spcPts val="0"/>
+              </a:spcBef>
+              <a:spcAft>
+                <a:spcPts val="0"/>
+              </a:spcAft>
+              <a:buClr>
+                <a:srgbClr val="000000"/>
+              </a:buClr>
+              <a:buFont typeface="Arial"/>
+              <a:defRPr sz="1400" b="0" i="0" u="none" strike="noStrike" cap="none">
+                <a:solidFill>
+                  <a:srgbClr val="000000"/>
+                </a:solidFill>
+                <a:latin typeface="Arial"/>
+                <a:ea typeface="Arial"/>
+                <a:cs typeface="Arial"/>
+                <a:sym typeface="Arial"/>
+              </a:defRPr>
+            </a:lvl9pPr>
+          </a:lstStyle>
+          <a:p>
+            <a:r>
+              <a:rPr lang="ru-RU" dirty="0"/>
+              <a:t>В ходе работы приложения могут быть случаи записи «грязных» данных в таблицу </a:t>
+            </a:r>
+            <a:r>
+              <a:rPr lang="en-US" dirty="0" err="1"/>
+              <a:t>cleaned_comments</a:t>
+            </a:r>
+            <a:r>
+              <a:rPr lang="en-US" dirty="0"/>
+              <a:t>. </a:t>
+            </a:r>
+            <a:r>
+              <a:rPr lang="ru-RU" dirty="0"/>
+              <a:t>Чтобы гарантировать сбор пригодных для дообучения данных, необходимо автоматизировать процесс проверки и очистки данных. </a:t>
+            </a:r>
+          </a:p>
+        </p:txBody>
+      </p:sp>
     </p:spTree>
     <p:extLst>
       <p:ext uri="{BB962C8B-B14F-4D97-AF65-F5344CB8AC3E}">
@@ -32083,7 +33242,7 @@
 </p:sld>
 </file>
 
-<file path=ppt/slides/slide44.xml><?xml version="1.0" encoding="utf-8"?>
+<file path=ppt/slides/slide45.xml><?xml version="1.0" encoding="utf-8"?>
 <p:sld xmlns:a="http://schemas.openxmlformats.org/drawingml/2006/main" xmlns:r="http://schemas.openxmlformats.org/officeDocument/2006/relationships" xmlns:p="http://schemas.openxmlformats.org/presentationml/2006/main">
   <p:cSld>
     <p:spTree>
@@ -32241,7 +33400,7 @@
 </p:sld>
 </file>
 
-<file path=ppt/slides/slide45.xml><?xml version="1.0" encoding="utf-8"?>
+<file path=ppt/slides/slide46.xml><?xml version="1.0" encoding="utf-8"?>
 <p:sld xmlns:a="http://schemas.openxmlformats.org/drawingml/2006/main" xmlns:r="http://schemas.openxmlformats.org/officeDocument/2006/relationships" xmlns:p="http://schemas.openxmlformats.org/presentationml/2006/main">
   <p:cSld>
     <p:spTree>
@@ -32363,7 +33522,7 @@
 </p:sld>
 </file>
 
-<file path=ppt/slides/slide46.xml><?xml version="1.0" encoding="utf-8"?>
+<file path=ppt/slides/slide47.xml><?xml version="1.0" encoding="utf-8"?>
 <p:sld xmlns:a="http://schemas.openxmlformats.org/drawingml/2006/main" xmlns:r="http://schemas.openxmlformats.org/officeDocument/2006/relationships" xmlns:p="http://schemas.openxmlformats.org/presentationml/2006/main">
   <p:cSld>
     <p:spTree>
@@ -32430,7 +33589,7 @@
         <p:spPr>
           <a:xfrm>
             <a:off x="719999" y="1040910"/>
-            <a:ext cx="6500607" cy="463519"/>
+            <a:ext cx="6500607" cy="866718"/>
           </a:xfrm>
           <a:prstGeom prst="rect">
             <a:avLst/>
@@ -32678,8 +33837,354 @@
               <a:t>Отобразить ключевые показатели хранения и обработки данных</a:t>
             </a:r>
           </a:p>
+          <a:p>
+            <a:pPr marL="342900" indent="-342900">
+              <a:buAutoNum type="arabicParenR"/>
+            </a:pPr>
+            <a:r>
+              <a:rPr lang="ru-RU" dirty="0"/>
+              <a:t>Визуализировать процесс хранения данных</a:t>
+            </a:r>
+          </a:p>
+          <a:p>
+            <a:pPr marL="342900" indent="-342900">
+              <a:buAutoNum type="arabicParenR"/>
+            </a:pPr>
+            <a:r>
+              <a:rPr lang="ru-RU" dirty="0"/>
+              <a:t>Давать отчет о состоянии качества данных</a:t>
+            </a:r>
+          </a:p>
         </p:txBody>
       </p:sp>
+      <p:sp>
+        <p:nvSpPr>
+          <p:cNvPr id="4" name="Google Shape;247;p35">
+            <a:extLst>
+              <a:ext uri="{FF2B5EF4-FFF2-40B4-BE49-F238E27FC236}">
+                <a16:creationId xmlns:a16="http://schemas.microsoft.com/office/drawing/2014/main" id="{3A131A47-1A6B-4BDC-94FC-70E51A4A7E9F}"/>
+              </a:ext>
+            </a:extLst>
+          </p:cNvPr>
+          <p:cNvSpPr txBox="1">
+            <a:spLocks/>
+          </p:cNvSpPr>
+          <p:nvPr/>
+        </p:nvSpPr>
+        <p:spPr>
+          <a:xfrm>
+            <a:off x="719999" y="2372982"/>
+            <a:ext cx="7107580" cy="667021"/>
+          </a:xfrm>
+          <a:prstGeom prst="rect">
+            <a:avLst/>
+          </a:prstGeom>
+        </p:spPr>
+        <p:txBody>
+          <a:bodyPr spcFirstLastPara="1" wrap="square" lIns="91425" tIns="91425" rIns="91425" bIns="91425" anchor="t" anchorCtr="0">
+            <a:noAutofit/>
+          </a:bodyPr>
+          <a:lstStyle>
+            <a:defPPr marR="0" lvl="0" algn="l" rtl="0">
+              <a:lnSpc>
+                <a:spcPct val="100000"/>
+              </a:lnSpc>
+              <a:spcBef>
+                <a:spcPts val="0"/>
+              </a:spcBef>
+              <a:spcAft>
+                <a:spcPts val="0"/>
+              </a:spcAft>
+            </a:defPPr>
+            <a:lvl1pPr marR="0" lvl="0" algn="l" rtl="0">
+              <a:lnSpc>
+                <a:spcPct val="100000"/>
+              </a:lnSpc>
+              <a:spcBef>
+                <a:spcPts val="0"/>
+              </a:spcBef>
+              <a:spcAft>
+                <a:spcPts val="0"/>
+              </a:spcAft>
+              <a:buClr>
+                <a:srgbClr val="000000"/>
+              </a:buClr>
+              <a:buFont typeface="Arial"/>
+              <a:defRPr sz="1400" b="0" i="0" u="none" strike="noStrike" cap="none">
+                <a:solidFill>
+                  <a:srgbClr val="000000"/>
+                </a:solidFill>
+                <a:latin typeface="Arial"/>
+                <a:ea typeface="Arial"/>
+                <a:cs typeface="Arial"/>
+                <a:sym typeface="Arial"/>
+              </a:defRPr>
+            </a:lvl1pPr>
+            <a:lvl2pPr marR="0" lvl="1" algn="l" rtl="0">
+              <a:lnSpc>
+                <a:spcPct val="100000"/>
+              </a:lnSpc>
+              <a:spcBef>
+                <a:spcPts val="0"/>
+              </a:spcBef>
+              <a:spcAft>
+                <a:spcPts val="0"/>
+              </a:spcAft>
+              <a:buClr>
+                <a:srgbClr val="000000"/>
+              </a:buClr>
+              <a:buFont typeface="Arial"/>
+              <a:defRPr sz="1400" b="0" i="0" u="none" strike="noStrike" cap="none">
+                <a:solidFill>
+                  <a:srgbClr val="000000"/>
+                </a:solidFill>
+                <a:latin typeface="Arial"/>
+                <a:ea typeface="Arial"/>
+                <a:cs typeface="Arial"/>
+                <a:sym typeface="Arial"/>
+              </a:defRPr>
+            </a:lvl2pPr>
+            <a:lvl3pPr marR="0" lvl="2" algn="l" rtl="0">
+              <a:lnSpc>
+                <a:spcPct val="100000"/>
+              </a:lnSpc>
+              <a:spcBef>
+                <a:spcPts val="0"/>
+              </a:spcBef>
+              <a:spcAft>
+                <a:spcPts val="0"/>
+              </a:spcAft>
+              <a:buClr>
+                <a:srgbClr val="000000"/>
+              </a:buClr>
+              <a:buFont typeface="Arial"/>
+              <a:defRPr sz="1400" b="0" i="0" u="none" strike="noStrike" cap="none">
+                <a:solidFill>
+                  <a:srgbClr val="000000"/>
+                </a:solidFill>
+                <a:latin typeface="Arial"/>
+                <a:ea typeface="Arial"/>
+                <a:cs typeface="Arial"/>
+                <a:sym typeface="Arial"/>
+              </a:defRPr>
+            </a:lvl3pPr>
+            <a:lvl4pPr marR="0" lvl="3" algn="l" rtl="0">
+              <a:lnSpc>
+                <a:spcPct val="100000"/>
+              </a:lnSpc>
+              <a:spcBef>
+                <a:spcPts val="0"/>
+              </a:spcBef>
+              <a:spcAft>
+                <a:spcPts val="0"/>
+              </a:spcAft>
+              <a:buClr>
+                <a:srgbClr val="000000"/>
+              </a:buClr>
+              <a:buFont typeface="Arial"/>
+              <a:defRPr sz="1400" b="0" i="0" u="none" strike="noStrike" cap="none">
+                <a:solidFill>
+                  <a:srgbClr val="000000"/>
+                </a:solidFill>
+                <a:latin typeface="Arial"/>
+                <a:ea typeface="Arial"/>
+                <a:cs typeface="Arial"/>
+                <a:sym typeface="Arial"/>
+              </a:defRPr>
+            </a:lvl4pPr>
+            <a:lvl5pPr marR="0" lvl="4" algn="l" rtl="0">
+              <a:lnSpc>
+                <a:spcPct val="100000"/>
+              </a:lnSpc>
+              <a:spcBef>
+                <a:spcPts val="0"/>
+              </a:spcBef>
+              <a:spcAft>
+                <a:spcPts val="0"/>
+              </a:spcAft>
+              <a:buClr>
+                <a:srgbClr val="000000"/>
+              </a:buClr>
+              <a:buFont typeface="Arial"/>
+              <a:defRPr sz="1400" b="0" i="0" u="none" strike="noStrike" cap="none">
+                <a:solidFill>
+                  <a:srgbClr val="000000"/>
+                </a:solidFill>
+                <a:latin typeface="Arial"/>
+                <a:ea typeface="Arial"/>
+                <a:cs typeface="Arial"/>
+                <a:sym typeface="Arial"/>
+              </a:defRPr>
+            </a:lvl5pPr>
+            <a:lvl6pPr marR="0" lvl="5" algn="l" rtl="0">
+              <a:lnSpc>
+                <a:spcPct val="100000"/>
+              </a:lnSpc>
+              <a:spcBef>
+                <a:spcPts val="0"/>
+              </a:spcBef>
+              <a:spcAft>
+                <a:spcPts val="0"/>
+              </a:spcAft>
+              <a:buClr>
+                <a:srgbClr val="000000"/>
+              </a:buClr>
+              <a:buFont typeface="Arial"/>
+              <a:defRPr sz="1400" b="0" i="0" u="none" strike="noStrike" cap="none">
+                <a:solidFill>
+                  <a:srgbClr val="000000"/>
+                </a:solidFill>
+                <a:latin typeface="Arial"/>
+                <a:ea typeface="Arial"/>
+                <a:cs typeface="Arial"/>
+                <a:sym typeface="Arial"/>
+              </a:defRPr>
+            </a:lvl6pPr>
+            <a:lvl7pPr marR="0" lvl="6" algn="l" rtl="0">
+              <a:lnSpc>
+                <a:spcPct val="100000"/>
+              </a:lnSpc>
+              <a:spcBef>
+                <a:spcPts val="0"/>
+              </a:spcBef>
+              <a:spcAft>
+                <a:spcPts val="0"/>
+              </a:spcAft>
+              <a:buClr>
+                <a:srgbClr val="000000"/>
+              </a:buClr>
+              <a:buFont typeface="Arial"/>
+              <a:defRPr sz="1400" b="0" i="0" u="none" strike="noStrike" cap="none">
+                <a:solidFill>
+                  <a:srgbClr val="000000"/>
+                </a:solidFill>
+                <a:latin typeface="Arial"/>
+                <a:ea typeface="Arial"/>
+                <a:cs typeface="Arial"/>
+                <a:sym typeface="Arial"/>
+              </a:defRPr>
+            </a:lvl7pPr>
+            <a:lvl8pPr marR="0" lvl="7" algn="l" rtl="0">
+              <a:lnSpc>
+                <a:spcPct val="100000"/>
+              </a:lnSpc>
+              <a:spcBef>
+                <a:spcPts val="0"/>
+              </a:spcBef>
+              <a:spcAft>
+                <a:spcPts val="0"/>
+              </a:spcAft>
+              <a:buClr>
+                <a:srgbClr val="000000"/>
+              </a:buClr>
+              <a:buFont typeface="Arial"/>
+              <a:defRPr sz="1400" b="0" i="0" u="none" strike="noStrike" cap="none">
+                <a:solidFill>
+                  <a:srgbClr val="000000"/>
+                </a:solidFill>
+                <a:latin typeface="Arial"/>
+                <a:ea typeface="Arial"/>
+                <a:cs typeface="Arial"/>
+                <a:sym typeface="Arial"/>
+              </a:defRPr>
+            </a:lvl8pPr>
+            <a:lvl9pPr marR="0" lvl="8" algn="l" rtl="0">
+              <a:lnSpc>
+                <a:spcPct val="100000"/>
+              </a:lnSpc>
+              <a:spcBef>
+                <a:spcPts val="0"/>
+              </a:spcBef>
+              <a:spcAft>
+                <a:spcPts val="0"/>
+              </a:spcAft>
+              <a:buClr>
+                <a:srgbClr val="000000"/>
+              </a:buClr>
+              <a:buFont typeface="Arial"/>
+              <a:defRPr sz="1400" b="0" i="0" u="none" strike="noStrike" cap="none">
+                <a:solidFill>
+                  <a:srgbClr val="000000"/>
+                </a:solidFill>
+                <a:latin typeface="Arial"/>
+                <a:ea typeface="Arial"/>
+                <a:cs typeface="Arial"/>
+                <a:sym typeface="Arial"/>
+              </a:defRPr>
+            </a:lvl9pPr>
+          </a:lstStyle>
+          <a:p>
+            <a:r>
+              <a:rPr lang="ru-RU" dirty="0"/>
+              <a:t>Выбран инструмент </a:t>
+            </a:r>
+            <a:r>
+              <a:rPr lang="en-US" b="1" dirty="0"/>
+              <a:t>metabase.com</a:t>
+            </a:r>
+          </a:p>
+          <a:p>
+            <a:r>
+              <a:rPr lang="ru-RU" dirty="0"/>
+              <a:t>Он развернут на локальном порту и предоставляет мощные возможности </a:t>
+            </a:r>
+            <a:r>
+              <a:rPr lang="en-US" dirty="0"/>
+              <a:t>BI.</a:t>
+            </a:r>
+          </a:p>
+          <a:p>
+            <a:endParaRPr lang="ru-RU" dirty="0"/>
+          </a:p>
+        </p:txBody>
+      </p:sp>
+      <p:pic>
+        <p:nvPicPr>
+          <p:cNvPr id="1026" name="Picture 2" descr="Picture background">
+            <a:extLst>
+              <a:ext uri="{FF2B5EF4-FFF2-40B4-BE49-F238E27FC236}">
+                <a16:creationId xmlns:a16="http://schemas.microsoft.com/office/drawing/2014/main" id="{CFF54F7F-7EE0-4E5A-97BD-BAE995262D14}"/>
+              </a:ext>
+            </a:extLst>
+          </p:cNvPr>
+          <p:cNvPicPr>
+            <a:picLocks noChangeAspect="1" noChangeArrowheads="1"/>
+          </p:cNvPicPr>
+          <p:nvPr/>
+        </p:nvPicPr>
+        <p:blipFill>
+          <a:blip r:embed="rId2">
+            <a:extLst>
+              <a:ext uri="{28A0092B-C50C-407E-A947-70E740481C1C}">
+                <a14:useLocalDpi xmlns:a14="http://schemas.microsoft.com/office/drawing/2010/main" val="0"/>
+              </a:ext>
+            </a:extLst>
+          </a:blip>
+          <a:srcRect/>
+          <a:stretch>
+            <a:fillRect/>
+          </a:stretch>
+        </p:blipFill>
+        <p:spPr bwMode="auto">
+          <a:xfrm>
+            <a:off x="719999" y="3040003"/>
+            <a:ext cx="3323325" cy="1246247"/>
+          </a:xfrm>
+          <a:prstGeom prst="rect">
+            <a:avLst/>
+          </a:prstGeom>
+          <a:noFill/>
+          <a:extLst>
+            <a:ext uri="{909E8E84-426E-40DD-AFC4-6F175D3DCCD1}">
+              <a14:hiddenFill xmlns:a14="http://schemas.microsoft.com/office/drawing/2010/main">
+                <a:solidFill>
+                  <a:srgbClr val="FFFFFF"/>
+                </a:solidFill>
+              </a14:hiddenFill>
+            </a:ext>
+          </a:extLst>
+        </p:spPr>
+      </p:pic>
     </p:spTree>
     <p:extLst>
       <p:ext uri="{BB962C8B-B14F-4D97-AF65-F5344CB8AC3E}">
@@ -32693,7 +34198,7 @@
 </p:sld>
 </file>
 
-<file path=ppt/slides/slide47.xml><?xml version="1.0" encoding="utf-8"?>
+<file path=ppt/slides/slide48.xml><?xml version="1.0" encoding="utf-8"?>
 <p:sld xmlns:a="http://schemas.openxmlformats.org/drawingml/2006/main" xmlns:r="http://schemas.openxmlformats.org/officeDocument/2006/relationships" xmlns:p="http://schemas.openxmlformats.org/presentationml/2006/main">
   <p:cSld>
     <p:spTree>
@@ -32771,6 +34276,94 @@
     <p:extLst>
       <p:ext uri="{BB962C8B-B14F-4D97-AF65-F5344CB8AC3E}">
         <p14:creationId xmlns:p14="http://schemas.microsoft.com/office/powerpoint/2010/main" val="2029625106"/>
+      </p:ext>
+    </p:extLst>
+  </p:cSld>
+  <p:clrMapOvr>
+    <a:masterClrMapping/>
+  </p:clrMapOvr>
+</p:sld>
+</file>
+
+<file path=ppt/slides/slide49.xml><?xml version="1.0" encoding="utf-8"?>
+<p:sld xmlns:a="http://schemas.openxmlformats.org/drawingml/2006/main" xmlns:r="http://schemas.openxmlformats.org/officeDocument/2006/relationships" xmlns:p="http://schemas.openxmlformats.org/presentationml/2006/main">
+  <p:cSld>
+    <p:spTree>
+      <p:nvGrpSpPr>
+        <p:cNvPr id="1" name=""/>
+        <p:cNvGrpSpPr/>
+        <p:nvPr/>
+      </p:nvGrpSpPr>
+      <p:grpSpPr>
+        <a:xfrm>
+          <a:off x="0" y="0"/>
+          <a:ext cx="0" cy="0"/>
+          <a:chOff x="0" y="0"/>
+          <a:chExt cx="0" cy="0"/>
+        </a:xfrm>
+      </p:grpSpPr>
+      <p:sp>
+        <p:nvSpPr>
+          <p:cNvPr id="2" name="Заголовок 1">
+            <a:extLst>
+              <a:ext uri="{FF2B5EF4-FFF2-40B4-BE49-F238E27FC236}">
+                <a16:creationId xmlns:a16="http://schemas.microsoft.com/office/drawing/2014/main" id="{C894E168-E00A-4C8B-A60C-40B2CD0ED8AF}"/>
+              </a:ext>
+            </a:extLst>
+          </p:cNvPr>
+          <p:cNvSpPr>
+            <a:spLocks noGrp="1"/>
+          </p:cNvSpPr>
+          <p:nvPr>
+            <p:ph type="title"/>
+          </p:nvPr>
+        </p:nvSpPr>
+        <p:spPr/>
+        <p:txBody>
+          <a:bodyPr/>
+          <a:lstStyle/>
+          <a:p>
+            <a:r>
+              <a:rPr lang="ru-RU" dirty="0"/>
+              <a:t>Ключевые метрики</a:t>
+            </a:r>
+          </a:p>
+        </p:txBody>
+      </p:sp>
+      <p:pic>
+        <p:nvPicPr>
+          <p:cNvPr id="4" name="Рисунок 3">
+            <a:extLst>
+              <a:ext uri="{FF2B5EF4-FFF2-40B4-BE49-F238E27FC236}">
+                <a16:creationId xmlns:a16="http://schemas.microsoft.com/office/drawing/2014/main" id="{10EC5AAD-FB11-4343-9304-14F47E74B9DE}"/>
+              </a:ext>
+            </a:extLst>
+          </p:cNvPr>
+          <p:cNvPicPr>
+            <a:picLocks noChangeAspect="1"/>
+          </p:cNvPicPr>
+          <p:nvPr/>
+        </p:nvPicPr>
+        <p:blipFill>
+          <a:blip r:embed="rId2"/>
+          <a:stretch>
+            <a:fillRect/>
+          </a:stretch>
+        </p:blipFill>
+        <p:spPr>
+          <a:xfrm>
+            <a:off x="811813" y="1545021"/>
+            <a:ext cx="7299545" cy="2410227"/>
+          </a:xfrm>
+          <a:prstGeom prst="rect">
+            <a:avLst/>
+          </a:prstGeom>
+        </p:spPr>
+      </p:pic>
+    </p:spTree>
+    <p:extLst>
+      <p:ext uri="{BB962C8B-B14F-4D97-AF65-F5344CB8AC3E}">
+        <p14:creationId xmlns:p14="http://schemas.microsoft.com/office/powerpoint/2010/main" val="747723636"/>
       </p:ext>
     </p:extLst>
   </p:cSld>
@@ -33524,6 +35117,1260 @@
         </p:spPr>
       </p:cxnSp>
     </p:spTree>
+  </p:cSld>
+  <p:clrMapOvr>
+    <a:masterClrMapping/>
+  </p:clrMapOvr>
+</p:sld>
+</file>
+
+<file path=ppt/slides/slide50.xml><?xml version="1.0" encoding="utf-8"?>
+<p:sld xmlns:a="http://schemas.openxmlformats.org/drawingml/2006/main" xmlns:r="http://schemas.openxmlformats.org/officeDocument/2006/relationships" xmlns:p="http://schemas.openxmlformats.org/presentationml/2006/main">
+  <p:cSld>
+    <p:spTree>
+      <p:nvGrpSpPr>
+        <p:cNvPr id="1" name="Shape 269"/>
+        <p:cNvGrpSpPr/>
+        <p:nvPr/>
+      </p:nvGrpSpPr>
+      <p:grpSpPr>
+        <a:xfrm>
+          <a:off x="0" y="0"/>
+          <a:ext cx="0" cy="0"/>
+          <a:chOff x="0" y="0"/>
+          <a:chExt cx="0" cy="0"/>
+        </a:xfrm>
+      </p:grpSpPr>
+      <p:sp>
+        <p:nvSpPr>
+          <p:cNvPr id="270" name="Google Shape;270;p37"/>
+          <p:cNvSpPr txBox="1">
+            <a:spLocks noGrp="1"/>
+          </p:cNvSpPr>
+          <p:nvPr>
+            <p:ph type="title"/>
+          </p:nvPr>
+        </p:nvSpPr>
+        <p:spPr>
+          <a:xfrm>
+            <a:off x="1094224" y="1632325"/>
+            <a:ext cx="7490099" cy="1723800"/>
+          </a:xfrm>
+          <a:prstGeom prst="rect">
+            <a:avLst/>
+          </a:prstGeom>
+        </p:spPr>
+        <p:txBody>
+          <a:bodyPr spcFirstLastPara="1" wrap="square" lIns="91425" tIns="91425" rIns="91425" bIns="91425" anchor="t" anchorCtr="0">
+            <a:noAutofit/>
+          </a:bodyPr>
+          <a:lstStyle/>
+          <a:p>
+            <a:pPr marL="0" lvl="0" indent="0" algn="l" rtl="0">
+              <a:spcBef>
+                <a:spcPts val="0"/>
+              </a:spcBef>
+              <a:spcAft>
+                <a:spcPts val="0"/>
+              </a:spcAft>
+              <a:buNone/>
+            </a:pPr>
+            <a:r>
+              <a:rPr lang="ru-RU" dirty="0"/>
+              <a:t>Результаты</a:t>
+            </a:r>
+          </a:p>
+        </p:txBody>
+      </p:sp>
+      <p:sp>
+        <p:nvSpPr>
+          <p:cNvPr id="271" name="Google Shape;271;p37"/>
+          <p:cNvSpPr txBox="1">
+            <a:spLocks noGrp="1"/>
+          </p:cNvSpPr>
+          <p:nvPr>
+            <p:ph type="title" idx="2"/>
+          </p:nvPr>
+        </p:nvSpPr>
+        <p:spPr>
+          <a:xfrm>
+            <a:off x="1094224" y="752425"/>
+            <a:ext cx="1570147" cy="879900"/>
+          </a:xfrm>
+          <a:prstGeom prst="rect">
+            <a:avLst/>
+          </a:prstGeom>
+        </p:spPr>
+        <p:txBody>
+          <a:bodyPr spcFirstLastPara="1" wrap="square" lIns="91425" tIns="91425" rIns="91425" bIns="91425" anchor="ctr" anchorCtr="0">
+            <a:noAutofit/>
+          </a:bodyPr>
+          <a:lstStyle/>
+          <a:p>
+            <a:pPr marL="0" lvl="0" indent="0" algn="ctr" rtl="0">
+              <a:spcBef>
+                <a:spcPts val="0"/>
+              </a:spcBef>
+              <a:spcAft>
+                <a:spcPts val="0"/>
+              </a:spcAft>
+              <a:buNone/>
+            </a:pPr>
+            <a:r>
+              <a:rPr lang="en" dirty="0"/>
+              <a:t>0</a:t>
+            </a:r>
+            <a:r>
+              <a:rPr lang="ru-RU" dirty="0"/>
+              <a:t>8</a:t>
+            </a:r>
+            <a:endParaRPr dirty="0"/>
+          </a:p>
+        </p:txBody>
+      </p:sp>
+    </p:spTree>
+    <p:extLst>
+      <p:ext uri="{BB962C8B-B14F-4D97-AF65-F5344CB8AC3E}">
+        <p14:creationId xmlns:p14="http://schemas.microsoft.com/office/powerpoint/2010/main" val="3253814410"/>
+      </p:ext>
+    </p:extLst>
+  </p:cSld>
+  <p:clrMapOvr>
+    <a:masterClrMapping/>
+  </p:clrMapOvr>
+</p:sld>
+</file>
+
+<file path=ppt/slides/slide51.xml><?xml version="1.0" encoding="utf-8"?>
+<p:sld xmlns:a="http://schemas.openxmlformats.org/drawingml/2006/main" xmlns:r="http://schemas.openxmlformats.org/officeDocument/2006/relationships" xmlns:p="http://schemas.openxmlformats.org/presentationml/2006/main">
+  <p:cSld>
+    <p:spTree>
+      <p:nvGrpSpPr>
+        <p:cNvPr id="1" name=""/>
+        <p:cNvGrpSpPr/>
+        <p:nvPr/>
+      </p:nvGrpSpPr>
+      <p:grpSpPr>
+        <a:xfrm>
+          <a:off x="0" y="0"/>
+          <a:ext cx="0" cy="0"/>
+          <a:chOff x="0" y="0"/>
+          <a:chExt cx="0" cy="0"/>
+        </a:xfrm>
+      </p:grpSpPr>
+      <p:sp>
+        <p:nvSpPr>
+          <p:cNvPr id="2" name="Заголовок 1">
+            <a:extLst>
+              <a:ext uri="{FF2B5EF4-FFF2-40B4-BE49-F238E27FC236}">
+                <a16:creationId xmlns:a16="http://schemas.microsoft.com/office/drawing/2014/main" id="{B77BE427-44B1-4CDE-A520-55E4102A1364}"/>
+              </a:ext>
+            </a:extLst>
+          </p:cNvPr>
+          <p:cNvSpPr>
+            <a:spLocks noGrp="1"/>
+          </p:cNvSpPr>
+          <p:nvPr>
+            <p:ph type="title"/>
+          </p:nvPr>
+        </p:nvSpPr>
+        <p:spPr/>
+        <p:txBody>
+          <a:bodyPr/>
+          <a:lstStyle/>
+          <a:p>
+            <a:r>
+              <a:rPr lang="ru-RU" dirty="0"/>
+              <a:t>Результаты разработки</a:t>
+            </a:r>
+          </a:p>
+        </p:txBody>
+      </p:sp>
+      <p:sp>
+        <p:nvSpPr>
+          <p:cNvPr id="3" name="Google Shape;247;p35">
+            <a:extLst>
+              <a:ext uri="{FF2B5EF4-FFF2-40B4-BE49-F238E27FC236}">
+                <a16:creationId xmlns:a16="http://schemas.microsoft.com/office/drawing/2014/main" id="{4F191E58-C99F-47F7-B3FA-8A08210884C7}"/>
+              </a:ext>
+            </a:extLst>
+          </p:cNvPr>
+          <p:cNvSpPr txBox="1">
+            <a:spLocks/>
+          </p:cNvSpPr>
+          <p:nvPr/>
+        </p:nvSpPr>
+        <p:spPr>
+          <a:xfrm>
+            <a:off x="869772" y="1182686"/>
+            <a:ext cx="7107580" cy="2522212"/>
+          </a:xfrm>
+          <a:prstGeom prst="rect">
+            <a:avLst/>
+          </a:prstGeom>
+        </p:spPr>
+        <p:txBody>
+          <a:bodyPr spcFirstLastPara="1" wrap="square" lIns="91425" tIns="91425" rIns="91425" bIns="91425" anchor="t" anchorCtr="0">
+            <a:noAutofit/>
+          </a:bodyPr>
+          <a:lstStyle>
+            <a:defPPr marR="0" lvl="0" algn="l" rtl="0">
+              <a:lnSpc>
+                <a:spcPct val="100000"/>
+              </a:lnSpc>
+              <a:spcBef>
+                <a:spcPts val="0"/>
+              </a:spcBef>
+              <a:spcAft>
+                <a:spcPts val="0"/>
+              </a:spcAft>
+            </a:defPPr>
+            <a:lvl1pPr marR="0" lvl="0" algn="l" rtl="0">
+              <a:lnSpc>
+                <a:spcPct val="100000"/>
+              </a:lnSpc>
+              <a:spcBef>
+                <a:spcPts val="0"/>
+              </a:spcBef>
+              <a:spcAft>
+                <a:spcPts val="0"/>
+              </a:spcAft>
+              <a:buClr>
+                <a:srgbClr val="000000"/>
+              </a:buClr>
+              <a:buFont typeface="Arial"/>
+              <a:defRPr sz="1400" b="0" i="0" u="none" strike="noStrike" cap="none">
+                <a:solidFill>
+                  <a:srgbClr val="000000"/>
+                </a:solidFill>
+                <a:latin typeface="Arial"/>
+                <a:ea typeface="Arial"/>
+                <a:cs typeface="Arial"/>
+                <a:sym typeface="Arial"/>
+              </a:defRPr>
+            </a:lvl1pPr>
+            <a:lvl2pPr marR="0" lvl="1" algn="l" rtl="0">
+              <a:lnSpc>
+                <a:spcPct val="100000"/>
+              </a:lnSpc>
+              <a:spcBef>
+                <a:spcPts val="0"/>
+              </a:spcBef>
+              <a:spcAft>
+                <a:spcPts val="0"/>
+              </a:spcAft>
+              <a:buClr>
+                <a:srgbClr val="000000"/>
+              </a:buClr>
+              <a:buFont typeface="Arial"/>
+              <a:defRPr sz="1400" b="0" i="0" u="none" strike="noStrike" cap="none">
+                <a:solidFill>
+                  <a:srgbClr val="000000"/>
+                </a:solidFill>
+                <a:latin typeface="Arial"/>
+                <a:ea typeface="Arial"/>
+                <a:cs typeface="Arial"/>
+                <a:sym typeface="Arial"/>
+              </a:defRPr>
+            </a:lvl2pPr>
+            <a:lvl3pPr marR="0" lvl="2" algn="l" rtl="0">
+              <a:lnSpc>
+                <a:spcPct val="100000"/>
+              </a:lnSpc>
+              <a:spcBef>
+                <a:spcPts val="0"/>
+              </a:spcBef>
+              <a:spcAft>
+                <a:spcPts val="0"/>
+              </a:spcAft>
+              <a:buClr>
+                <a:srgbClr val="000000"/>
+              </a:buClr>
+              <a:buFont typeface="Arial"/>
+              <a:defRPr sz="1400" b="0" i="0" u="none" strike="noStrike" cap="none">
+                <a:solidFill>
+                  <a:srgbClr val="000000"/>
+                </a:solidFill>
+                <a:latin typeface="Arial"/>
+                <a:ea typeface="Arial"/>
+                <a:cs typeface="Arial"/>
+                <a:sym typeface="Arial"/>
+              </a:defRPr>
+            </a:lvl3pPr>
+            <a:lvl4pPr marR="0" lvl="3" algn="l" rtl="0">
+              <a:lnSpc>
+                <a:spcPct val="100000"/>
+              </a:lnSpc>
+              <a:spcBef>
+                <a:spcPts val="0"/>
+              </a:spcBef>
+              <a:spcAft>
+                <a:spcPts val="0"/>
+              </a:spcAft>
+              <a:buClr>
+                <a:srgbClr val="000000"/>
+              </a:buClr>
+              <a:buFont typeface="Arial"/>
+              <a:defRPr sz="1400" b="0" i="0" u="none" strike="noStrike" cap="none">
+                <a:solidFill>
+                  <a:srgbClr val="000000"/>
+                </a:solidFill>
+                <a:latin typeface="Arial"/>
+                <a:ea typeface="Arial"/>
+                <a:cs typeface="Arial"/>
+                <a:sym typeface="Arial"/>
+              </a:defRPr>
+            </a:lvl4pPr>
+            <a:lvl5pPr marR="0" lvl="4" algn="l" rtl="0">
+              <a:lnSpc>
+                <a:spcPct val="100000"/>
+              </a:lnSpc>
+              <a:spcBef>
+                <a:spcPts val="0"/>
+              </a:spcBef>
+              <a:spcAft>
+                <a:spcPts val="0"/>
+              </a:spcAft>
+              <a:buClr>
+                <a:srgbClr val="000000"/>
+              </a:buClr>
+              <a:buFont typeface="Arial"/>
+              <a:defRPr sz="1400" b="0" i="0" u="none" strike="noStrike" cap="none">
+                <a:solidFill>
+                  <a:srgbClr val="000000"/>
+                </a:solidFill>
+                <a:latin typeface="Arial"/>
+                <a:ea typeface="Arial"/>
+                <a:cs typeface="Arial"/>
+                <a:sym typeface="Arial"/>
+              </a:defRPr>
+            </a:lvl5pPr>
+            <a:lvl6pPr marR="0" lvl="5" algn="l" rtl="0">
+              <a:lnSpc>
+                <a:spcPct val="100000"/>
+              </a:lnSpc>
+              <a:spcBef>
+                <a:spcPts val="0"/>
+              </a:spcBef>
+              <a:spcAft>
+                <a:spcPts val="0"/>
+              </a:spcAft>
+              <a:buClr>
+                <a:srgbClr val="000000"/>
+              </a:buClr>
+              <a:buFont typeface="Arial"/>
+              <a:defRPr sz="1400" b="0" i="0" u="none" strike="noStrike" cap="none">
+                <a:solidFill>
+                  <a:srgbClr val="000000"/>
+                </a:solidFill>
+                <a:latin typeface="Arial"/>
+                <a:ea typeface="Arial"/>
+                <a:cs typeface="Arial"/>
+                <a:sym typeface="Arial"/>
+              </a:defRPr>
+            </a:lvl6pPr>
+            <a:lvl7pPr marR="0" lvl="6" algn="l" rtl="0">
+              <a:lnSpc>
+                <a:spcPct val="100000"/>
+              </a:lnSpc>
+              <a:spcBef>
+                <a:spcPts val="0"/>
+              </a:spcBef>
+              <a:spcAft>
+                <a:spcPts val="0"/>
+              </a:spcAft>
+              <a:buClr>
+                <a:srgbClr val="000000"/>
+              </a:buClr>
+              <a:buFont typeface="Arial"/>
+              <a:defRPr sz="1400" b="0" i="0" u="none" strike="noStrike" cap="none">
+                <a:solidFill>
+                  <a:srgbClr val="000000"/>
+                </a:solidFill>
+                <a:latin typeface="Arial"/>
+                <a:ea typeface="Arial"/>
+                <a:cs typeface="Arial"/>
+                <a:sym typeface="Arial"/>
+              </a:defRPr>
+            </a:lvl7pPr>
+            <a:lvl8pPr marR="0" lvl="7" algn="l" rtl="0">
+              <a:lnSpc>
+                <a:spcPct val="100000"/>
+              </a:lnSpc>
+              <a:spcBef>
+                <a:spcPts val="0"/>
+              </a:spcBef>
+              <a:spcAft>
+                <a:spcPts val="0"/>
+              </a:spcAft>
+              <a:buClr>
+                <a:srgbClr val="000000"/>
+              </a:buClr>
+              <a:buFont typeface="Arial"/>
+              <a:defRPr sz="1400" b="0" i="0" u="none" strike="noStrike" cap="none">
+                <a:solidFill>
+                  <a:srgbClr val="000000"/>
+                </a:solidFill>
+                <a:latin typeface="Arial"/>
+                <a:ea typeface="Arial"/>
+                <a:cs typeface="Arial"/>
+                <a:sym typeface="Arial"/>
+              </a:defRPr>
+            </a:lvl8pPr>
+            <a:lvl9pPr marR="0" lvl="8" algn="l" rtl="0">
+              <a:lnSpc>
+                <a:spcPct val="100000"/>
+              </a:lnSpc>
+              <a:spcBef>
+                <a:spcPts val="0"/>
+              </a:spcBef>
+              <a:spcAft>
+                <a:spcPts val="0"/>
+              </a:spcAft>
+              <a:buClr>
+                <a:srgbClr val="000000"/>
+              </a:buClr>
+              <a:buFont typeface="Arial"/>
+              <a:defRPr sz="1400" b="0" i="0" u="none" strike="noStrike" cap="none">
+                <a:solidFill>
+                  <a:srgbClr val="000000"/>
+                </a:solidFill>
+                <a:latin typeface="Arial"/>
+                <a:ea typeface="Arial"/>
+                <a:cs typeface="Arial"/>
+                <a:sym typeface="Arial"/>
+              </a:defRPr>
+            </a:lvl9pPr>
+          </a:lstStyle>
+          <a:p>
+            <a:r>
+              <a:rPr lang="ru-RU" dirty="0"/>
+              <a:t>В бизнес домене онлайн трансляций </a:t>
+            </a:r>
+            <a:r>
+              <a:rPr lang="en-US" dirty="0" err="1"/>
+              <a:t>Twich</a:t>
+            </a:r>
+            <a:r>
+              <a:rPr lang="en-US" dirty="0"/>
+              <a:t> </a:t>
+            </a:r>
+            <a:r>
+              <a:rPr lang="ru-RU" dirty="0"/>
+              <a:t>разработан инструмент для сбора, предобработки, очистки, анализа комментариев на любых трансляциях</a:t>
+            </a:r>
+            <a:r>
+              <a:rPr lang="en-US" dirty="0"/>
+              <a:t>.</a:t>
+            </a:r>
+            <a:endParaRPr lang="ru-RU" dirty="0"/>
+          </a:p>
+          <a:p>
+            <a:pPr algn="l">
+              <a:buFont typeface="+mj-lt"/>
+              <a:buAutoNum type="arabicPeriod"/>
+            </a:pPr>
+            <a:r>
+              <a:rPr lang="ru-RU" dirty="0"/>
+              <a:t>Текущая работа позволила сделать </a:t>
+            </a:r>
+            <a:r>
+              <a:rPr lang="ru-RU" dirty="0" err="1"/>
+              <a:t>пайплайн</a:t>
+            </a:r>
+            <a:r>
+              <a:rPr lang="ru-RU" dirty="0"/>
+              <a:t> обработки данных </a:t>
+            </a:r>
+          </a:p>
+          <a:p>
+            <a:pPr algn="l"/>
+            <a:r>
+              <a:rPr lang="ru-RU" dirty="0"/>
+              <a:t>Этапы, которые проходят данные:</a:t>
+            </a:r>
+          </a:p>
+          <a:p>
+            <a:pPr lvl="2">
+              <a:buFont typeface="+mj-lt"/>
+              <a:buAutoNum type="arabicPeriod"/>
+            </a:pPr>
+            <a:r>
+              <a:rPr lang="ru-RU" dirty="0"/>
+              <a:t> Соединение датасетов. </a:t>
+            </a:r>
+          </a:p>
+          <a:p>
+            <a:pPr lvl="2">
+              <a:buFont typeface="+mj-lt"/>
+              <a:buAutoNum type="arabicPeriod"/>
+            </a:pPr>
+            <a:r>
+              <a:rPr lang="ru-RU" dirty="0"/>
+              <a:t> Извлечение из онлайн трансляций. </a:t>
+            </a:r>
+          </a:p>
+          <a:p>
+            <a:pPr lvl="2">
+              <a:buFont typeface="+mj-lt"/>
+              <a:buAutoNum type="arabicPeriod"/>
+            </a:pPr>
+            <a:r>
+              <a:rPr lang="ru-RU" dirty="0"/>
+              <a:t> После сбора данные проходят этап очистки, где устраняются ошибки, пропуски и выбросы. Для этого используются инструменты на Python.</a:t>
+            </a:r>
+          </a:p>
+          <a:p>
+            <a:pPr lvl="2">
+              <a:buFont typeface="+mj-lt"/>
+              <a:buAutoNum type="arabicPeriod"/>
+            </a:pPr>
+            <a:r>
+              <a:rPr lang="ru-RU" dirty="0"/>
+              <a:t> Далее предобработка данных. </a:t>
+            </a:r>
+          </a:p>
+          <a:p>
+            <a:pPr lvl="2">
+              <a:buFont typeface="+mj-lt"/>
+              <a:buAutoNum type="arabicPeriod"/>
+            </a:pPr>
+            <a:r>
+              <a:rPr lang="ru-RU" dirty="0"/>
+              <a:t> После этого данные размечаются для задач классификации, что позволяет выявить токсичные комментарии, определить языковые предпочтения аудитории.</a:t>
+            </a:r>
+          </a:p>
+          <a:p>
+            <a:pPr lvl="2">
+              <a:buFont typeface="+mj-lt"/>
+              <a:buAutoNum type="arabicPeriod"/>
+            </a:pPr>
+            <a:r>
+              <a:rPr lang="ru-RU" dirty="0"/>
+              <a:t>Подключена система </a:t>
+            </a:r>
+            <a:r>
+              <a:rPr lang="en-US" dirty="0"/>
+              <a:t>BI </a:t>
+            </a:r>
+            <a:r>
+              <a:rPr lang="ru-RU" dirty="0"/>
+              <a:t>визуализации метрик качества данных в </a:t>
+            </a:r>
+            <a:r>
+              <a:rPr lang="en-US" dirty="0"/>
+              <a:t>metabase.com</a:t>
+            </a:r>
+          </a:p>
+          <a:p>
+            <a:pPr lvl="2">
+              <a:buFont typeface="+mj-lt"/>
+              <a:buAutoNum type="arabicPeriod"/>
+            </a:pPr>
+            <a:r>
+              <a:rPr lang="ru-RU" dirty="0"/>
+              <a:t>Решение содержит процедуры автоматической проверки качества данных и устранения проблем в хранилище </a:t>
+            </a:r>
+          </a:p>
+          <a:p>
+            <a:endParaRPr lang="ru-RU" dirty="0"/>
+          </a:p>
+        </p:txBody>
+      </p:sp>
+    </p:spTree>
+    <p:extLst>
+      <p:ext uri="{BB962C8B-B14F-4D97-AF65-F5344CB8AC3E}">
+        <p14:creationId xmlns:p14="http://schemas.microsoft.com/office/powerpoint/2010/main" val="3330783083"/>
+      </p:ext>
+    </p:extLst>
+  </p:cSld>
+  <p:clrMapOvr>
+    <a:masterClrMapping/>
+  </p:clrMapOvr>
+</p:sld>
+</file>
+
+<file path=ppt/slides/slide52.xml><?xml version="1.0" encoding="utf-8"?>
+<p:sld xmlns:a="http://schemas.openxmlformats.org/drawingml/2006/main" xmlns:r="http://schemas.openxmlformats.org/officeDocument/2006/relationships" xmlns:p="http://schemas.openxmlformats.org/presentationml/2006/main">
+  <p:cSld>
+    <p:spTree>
+      <p:nvGrpSpPr>
+        <p:cNvPr id="1" name=""/>
+        <p:cNvGrpSpPr/>
+        <p:nvPr/>
+      </p:nvGrpSpPr>
+      <p:grpSpPr>
+        <a:xfrm>
+          <a:off x="0" y="0"/>
+          <a:ext cx="0" cy="0"/>
+          <a:chOff x="0" y="0"/>
+          <a:chExt cx="0" cy="0"/>
+        </a:xfrm>
+      </p:grpSpPr>
+      <p:sp>
+        <p:nvSpPr>
+          <p:cNvPr id="2" name="Заголовок 1">
+            <a:extLst>
+              <a:ext uri="{FF2B5EF4-FFF2-40B4-BE49-F238E27FC236}">
+                <a16:creationId xmlns:a16="http://schemas.microsoft.com/office/drawing/2014/main" id="{B77BE427-44B1-4CDE-A520-55E4102A1364}"/>
+              </a:ext>
+            </a:extLst>
+          </p:cNvPr>
+          <p:cNvSpPr>
+            <a:spLocks noGrp="1"/>
+          </p:cNvSpPr>
+          <p:nvPr>
+            <p:ph type="title"/>
+          </p:nvPr>
+        </p:nvSpPr>
+        <p:spPr/>
+        <p:txBody>
+          <a:bodyPr/>
+          <a:lstStyle/>
+          <a:p>
+            <a:r>
+              <a:rPr lang="ru-RU" dirty="0"/>
+              <a:t>Дальнейшие планы проекта</a:t>
+            </a:r>
+          </a:p>
+        </p:txBody>
+      </p:sp>
+      <p:sp>
+        <p:nvSpPr>
+          <p:cNvPr id="3" name="Google Shape;247;p35">
+            <a:extLst>
+              <a:ext uri="{FF2B5EF4-FFF2-40B4-BE49-F238E27FC236}">
+                <a16:creationId xmlns:a16="http://schemas.microsoft.com/office/drawing/2014/main" id="{4F191E58-C99F-47F7-B3FA-8A08210884C7}"/>
+              </a:ext>
+            </a:extLst>
+          </p:cNvPr>
+          <p:cNvSpPr txBox="1">
+            <a:spLocks/>
+          </p:cNvSpPr>
+          <p:nvPr/>
+        </p:nvSpPr>
+        <p:spPr>
+          <a:xfrm>
+            <a:off x="869772" y="1182686"/>
+            <a:ext cx="7107580" cy="1095431"/>
+          </a:xfrm>
+          <a:prstGeom prst="rect">
+            <a:avLst/>
+          </a:prstGeom>
+        </p:spPr>
+        <p:txBody>
+          <a:bodyPr spcFirstLastPara="1" wrap="square" lIns="91425" tIns="91425" rIns="91425" bIns="91425" anchor="t" anchorCtr="0">
+            <a:noAutofit/>
+          </a:bodyPr>
+          <a:lstStyle>
+            <a:defPPr marR="0" lvl="0" algn="l" rtl="0">
+              <a:lnSpc>
+                <a:spcPct val="100000"/>
+              </a:lnSpc>
+              <a:spcBef>
+                <a:spcPts val="0"/>
+              </a:spcBef>
+              <a:spcAft>
+                <a:spcPts val="0"/>
+              </a:spcAft>
+            </a:defPPr>
+            <a:lvl1pPr marR="0" lvl="0" algn="l" rtl="0">
+              <a:lnSpc>
+                <a:spcPct val="100000"/>
+              </a:lnSpc>
+              <a:spcBef>
+                <a:spcPts val="0"/>
+              </a:spcBef>
+              <a:spcAft>
+                <a:spcPts val="0"/>
+              </a:spcAft>
+              <a:buClr>
+                <a:srgbClr val="000000"/>
+              </a:buClr>
+              <a:buFont typeface="Arial"/>
+              <a:defRPr sz="1400" b="0" i="0" u="none" strike="noStrike" cap="none">
+                <a:solidFill>
+                  <a:srgbClr val="000000"/>
+                </a:solidFill>
+                <a:latin typeface="Arial"/>
+                <a:ea typeface="Arial"/>
+                <a:cs typeface="Arial"/>
+                <a:sym typeface="Arial"/>
+              </a:defRPr>
+            </a:lvl1pPr>
+            <a:lvl2pPr marR="0" lvl="1" algn="l" rtl="0">
+              <a:lnSpc>
+                <a:spcPct val="100000"/>
+              </a:lnSpc>
+              <a:spcBef>
+                <a:spcPts val="0"/>
+              </a:spcBef>
+              <a:spcAft>
+                <a:spcPts val="0"/>
+              </a:spcAft>
+              <a:buClr>
+                <a:srgbClr val="000000"/>
+              </a:buClr>
+              <a:buFont typeface="Arial"/>
+              <a:defRPr sz="1400" b="0" i="0" u="none" strike="noStrike" cap="none">
+                <a:solidFill>
+                  <a:srgbClr val="000000"/>
+                </a:solidFill>
+                <a:latin typeface="Arial"/>
+                <a:ea typeface="Arial"/>
+                <a:cs typeface="Arial"/>
+                <a:sym typeface="Arial"/>
+              </a:defRPr>
+            </a:lvl2pPr>
+            <a:lvl3pPr marR="0" lvl="2" algn="l" rtl="0">
+              <a:lnSpc>
+                <a:spcPct val="100000"/>
+              </a:lnSpc>
+              <a:spcBef>
+                <a:spcPts val="0"/>
+              </a:spcBef>
+              <a:spcAft>
+                <a:spcPts val="0"/>
+              </a:spcAft>
+              <a:buClr>
+                <a:srgbClr val="000000"/>
+              </a:buClr>
+              <a:buFont typeface="Arial"/>
+              <a:defRPr sz="1400" b="0" i="0" u="none" strike="noStrike" cap="none">
+                <a:solidFill>
+                  <a:srgbClr val="000000"/>
+                </a:solidFill>
+                <a:latin typeface="Arial"/>
+                <a:ea typeface="Arial"/>
+                <a:cs typeface="Arial"/>
+                <a:sym typeface="Arial"/>
+              </a:defRPr>
+            </a:lvl3pPr>
+            <a:lvl4pPr marR="0" lvl="3" algn="l" rtl="0">
+              <a:lnSpc>
+                <a:spcPct val="100000"/>
+              </a:lnSpc>
+              <a:spcBef>
+                <a:spcPts val="0"/>
+              </a:spcBef>
+              <a:spcAft>
+                <a:spcPts val="0"/>
+              </a:spcAft>
+              <a:buClr>
+                <a:srgbClr val="000000"/>
+              </a:buClr>
+              <a:buFont typeface="Arial"/>
+              <a:defRPr sz="1400" b="0" i="0" u="none" strike="noStrike" cap="none">
+                <a:solidFill>
+                  <a:srgbClr val="000000"/>
+                </a:solidFill>
+                <a:latin typeface="Arial"/>
+                <a:ea typeface="Arial"/>
+                <a:cs typeface="Arial"/>
+                <a:sym typeface="Arial"/>
+              </a:defRPr>
+            </a:lvl4pPr>
+            <a:lvl5pPr marR="0" lvl="4" algn="l" rtl="0">
+              <a:lnSpc>
+                <a:spcPct val="100000"/>
+              </a:lnSpc>
+              <a:spcBef>
+                <a:spcPts val="0"/>
+              </a:spcBef>
+              <a:spcAft>
+                <a:spcPts val="0"/>
+              </a:spcAft>
+              <a:buClr>
+                <a:srgbClr val="000000"/>
+              </a:buClr>
+              <a:buFont typeface="Arial"/>
+              <a:defRPr sz="1400" b="0" i="0" u="none" strike="noStrike" cap="none">
+                <a:solidFill>
+                  <a:srgbClr val="000000"/>
+                </a:solidFill>
+                <a:latin typeface="Arial"/>
+                <a:ea typeface="Arial"/>
+                <a:cs typeface="Arial"/>
+                <a:sym typeface="Arial"/>
+              </a:defRPr>
+            </a:lvl5pPr>
+            <a:lvl6pPr marR="0" lvl="5" algn="l" rtl="0">
+              <a:lnSpc>
+                <a:spcPct val="100000"/>
+              </a:lnSpc>
+              <a:spcBef>
+                <a:spcPts val="0"/>
+              </a:spcBef>
+              <a:spcAft>
+                <a:spcPts val="0"/>
+              </a:spcAft>
+              <a:buClr>
+                <a:srgbClr val="000000"/>
+              </a:buClr>
+              <a:buFont typeface="Arial"/>
+              <a:defRPr sz="1400" b="0" i="0" u="none" strike="noStrike" cap="none">
+                <a:solidFill>
+                  <a:srgbClr val="000000"/>
+                </a:solidFill>
+                <a:latin typeface="Arial"/>
+                <a:ea typeface="Arial"/>
+                <a:cs typeface="Arial"/>
+                <a:sym typeface="Arial"/>
+              </a:defRPr>
+            </a:lvl6pPr>
+            <a:lvl7pPr marR="0" lvl="6" algn="l" rtl="0">
+              <a:lnSpc>
+                <a:spcPct val="100000"/>
+              </a:lnSpc>
+              <a:spcBef>
+                <a:spcPts val="0"/>
+              </a:spcBef>
+              <a:spcAft>
+                <a:spcPts val="0"/>
+              </a:spcAft>
+              <a:buClr>
+                <a:srgbClr val="000000"/>
+              </a:buClr>
+              <a:buFont typeface="Arial"/>
+              <a:defRPr sz="1400" b="0" i="0" u="none" strike="noStrike" cap="none">
+                <a:solidFill>
+                  <a:srgbClr val="000000"/>
+                </a:solidFill>
+                <a:latin typeface="Arial"/>
+                <a:ea typeface="Arial"/>
+                <a:cs typeface="Arial"/>
+                <a:sym typeface="Arial"/>
+              </a:defRPr>
+            </a:lvl7pPr>
+            <a:lvl8pPr marR="0" lvl="7" algn="l" rtl="0">
+              <a:lnSpc>
+                <a:spcPct val="100000"/>
+              </a:lnSpc>
+              <a:spcBef>
+                <a:spcPts val="0"/>
+              </a:spcBef>
+              <a:spcAft>
+                <a:spcPts val="0"/>
+              </a:spcAft>
+              <a:buClr>
+                <a:srgbClr val="000000"/>
+              </a:buClr>
+              <a:buFont typeface="Arial"/>
+              <a:defRPr sz="1400" b="0" i="0" u="none" strike="noStrike" cap="none">
+                <a:solidFill>
+                  <a:srgbClr val="000000"/>
+                </a:solidFill>
+                <a:latin typeface="Arial"/>
+                <a:ea typeface="Arial"/>
+                <a:cs typeface="Arial"/>
+                <a:sym typeface="Arial"/>
+              </a:defRPr>
+            </a:lvl8pPr>
+            <a:lvl9pPr marR="0" lvl="8" algn="l" rtl="0">
+              <a:lnSpc>
+                <a:spcPct val="100000"/>
+              </a:lnSpc>
+              <a:spcBef>
+                <a:spcPts val="0"/>
+              </a:spcBef>
+              <a:spcAft>
+                <a:spcPts val="0"/>
+              </a:spcAft>
+              <a:buClr>
+                <a:srgbClr val="000000"/>
+              </a:buClr>
+              <a:buFont typeface="Arial"/>
+              <a:defRPr sz="1400" b="0" i="0" u="none" strike="noStrike" cap="none">
+                <a:solidFill>
+                  <a:srgbClr val="000000"/>
+                </a:solidFill>
+                <a:latin typeface="Arial"/>
+                <a:ea typeface="Arial"/>
+                <a:cs typeface="Arial"/>
+                <a:sym typeface="Arial"/>
+              </a:defRPr>
+            </a:lvl9pPr>
+          </a:lstStyle>
+          <a:p>
+            <a:r>
+              <a:rPr lang="ru-RU" dirty="0"/>
+              <a:t>Текущий инструмент позволяет проводить </a:t>
+            </a:r>
+            <a:r>
+              <a:rPr lang="en-US" dirty="0"/>
+              <a:t>ETL </a:t>
+            </a:r>
+            <a:r>
+              <a:rPr lang="ru-RU" dirty="0"/>
+              <a:t>процесс работы с комментариями.</a:t>
+            </a:r>
+          </a:p>
+          <a:p>
+            <a:r>
+              <a:rPr lang="ru-RU" dirty="0"/>
+              <a:t>Для дальнейшего развития проекта будет произведено дообучение модели </a:t>
+            </a:r>
+            <a:r>
+              <a:rPr lang="en-US" dirty="0"/>
+              <a:t>toxic </a:t>
+            </a:r>
+            <a:r>
+              <a:rPr lang="en-US" dirty="0" err="1"/>
+              <a:t>bert</a:t>
+            </a:r>
+            <a:r>
+              <a:rPr lang="ru-RU" dirty="0"/>
+              <a:t>. Это позволит увеличить точность распознавания токсичных и негативных комментариев на русском языке по сравнению с существующими решениями</a:t>
+            </a:r>
+          </a:p>
+        </p:txBody>
+      </p:sp>
+    </p:spTree>
+    <p:extLst>
+      <p:ext uri="{BB962C8B-B14F-4D97-AF65-F5344CB8AC3E}">
+        <p14:creationId xmlns:p14="http://schemas.microsoft.com/office/powerpoint/2010/main" val="2592161087"/>
+      </p:ext>
+    </p:extLst>
+  </p:cSld>
+  <p:clrMapOvr>
+    <a:masterClrMapping/>
+  </p:clrMapOvr>
+</p:sld>
+</file>
+
+<file path=ppt/slides/slide53.xml><?xml version="1.0" encoding="utf-8"?>
+<p:sld xmlns:a="http://schemas.openxmlformats.org/drawingml/2006/main" xmlns:r="http://schemas.openxmlformats.org/officeDocument/2006/relationships" xmlns:p="http://schemas.openxmlformats.org/presentationml/2006/main">
+  <p:cSld>
+    <p:spTree>
+      <p:nvGrpSpPr>
+        <p:cNvPr id="1" name=""/>
+        <p:cNvGrpSpPr/>
+        <p:nvPr/>
+      </p:nvGrpSpPr>
+      <p:grpSpPr>
+        <a:xfrm>
+          <a:off x="0" y="0"/>
+          <a:ext cx="0" cy="0"/>
+          <a:chOff x="0" y="0"/>
+          <a:chExt cx="0" cy="0"/>
+        </a:xfrm>
+      </p:grpSpPr>
+      <p:sp>
+        <p:nvSpPr>
+          <p:cNvPr id="2" name="Заголовок 1">
+            <a:extLst>
+              <a:ext uri="{FF2B5EF4-FFF2-40B4-BE49-F238E27FC236}">
+                <a16:creationId xmlns:a16="http://schemas.microsoft.com/office/drawing/2014/main" id="{B77BE427-44B1-4CDE-A520-55E4102A1364}"/>
+              </a:ext>
+            </a:extLst>
+          </p:cNvPr>
+          <p:cNvSpPr>
+            <a:spLocks noGrp="1"/>
+          </p:cNvSpPr>
+          <p:nvPr>
+            <p:ph type="title"/>
+          </p:nvPr>
+        </p:nvSpPr>
+        <p:spPr>
+          <a:xfrm>
+            <a:off x="1847235" y="1926984"/>
+            <a:ext cx="4285551" cy="572700"/>
+          </a:xfrm>
+        </p:spPr>
+        <p:txBody>
+          <a:bodyPr/>
+          <a:lstStyle/>
+          <a:p>
+            <a:r>
+              <a:rPr lang="ru-RU" dirty="0"/>
+              <a:t>Спасибо за внимание</a:t>
+            </a:r>
+          </a:p>
+        </p:txBody>
+      </p:sp>
+      <p:sp>
+        <p:nvSpPr>
+          <p:cNvPr id="3" name="Google Shape;247;p35">
+            <a:extLst>
+              <a:ext uri="{FF2B5EF4-FFF2-40B4-BE49-F238E27FC236}">
+                <a16:creationId xmlns:a16="http://schemas.microsoft.com/office/drawing/2014/main" id="{4F191E58-C99F-47F7-B3FA-8A08210884C7}"/>
+              </a:ext>
+            </a:extLst>
+          </p:cNvPr>
+          <p:cNvSpPr txBox="1">
+            <a:spLocks/>
+          </p:cNvSpPr>
+          <p:nvPr/>
+        </p:nvSpPr>
+        <p:spPr>
+          <a:xfrm>
+            <a:off x="2493620" y="2670558"/>
+            <a:ext cx="3702228" cy="572700"/>
+          </a:xfrm>
+          <a:prstGeom prst="rect">
+            <a:avLst/>
+          </a:prstGeom>
+        </p:spPr>
+        <p:txBody>
+          <a:bodyPr spcFirstLastPara="1" wrap="square" lIns="91425" tIns="91425" rIns="91425" bIns="91425" anchor="t" anchorCtr="0">
+            <a:noAutofit/>
+          </a:bodyPr>
+          <a:lstStyle>
+            <a:defPPr marR="0" lvl="0" algn="l" rtl="0">
+              <a:lnSpc>
+                <a:spcPct val="100000"/>
+              </a:lnSpc>
+              <a:spcBef>
+                <a:spcPts val="0"/>
+              </a:spcBef>
+              <a:spcAft>
+                <a:spcPts val="0"/>
+              </a:spcAft>
+            </a:defPPr>
+            <a:lvl1pPr marR="0" lvl="0" algn="l" rtl="0">
+              <a:lnSpc>
+                <a:spcPct val="100000"/>
+              </a:lnSpc>
+              <a:spcBef>
+                <a:spcPts val="0"/>
+              </a:spcBef>
+              <a:spcAft>
+                <a:spcPts val="0"/>
+              </a:spcAft>
+              <a:buClr>
+                <a:srgbClr val="000000"/>
+              </a:buClr>
+              <a:buFont typeface="Arial"/>
+              <a:defRPr sz="1400" b="0" i="0" u="none" strike="noStrike" cap="none">
+                <a:solidFill>
+                  <a:srgbClr val="000000"/>
+                </a:solidFill>
+                <a:latin typeface="Arial"/>
+                <a:ea typeface="Arial"/>
+                <a:cs typeface="Arial"/>
+                <a:sym typeface="Arial"/>
+              </a:defRPr>
+            </a:lvl1pPr>
+            <a:lvl2pPr marR="0" lvl="1" algn="l" rtl="0">
+              <a:lnSpc>
+                <a:spcPct val="100000"/>
+              </a:lnSpc>
+              <a:spcBef>
+                <a:spcPts val="0"/>
+              </a:spcBef>
+              <a:spcAft>
+                <a:spcPts val="0"/>
+              </a:spcAft>
+              <a:buClr>
+                <a:srgbClr val="000000"/>
+              </a:buClr>
+              <a:buFont typeface="Arial"/>
+              <a:defRPr sz="1400" b="0" i="0" u="none" strike="noStrike" cap="none">
+                <a:solidFill>
+                  <a:srgbClr val="000000"/>
+                </a:solidFill>
+                <a:latin typeface="Arial"/>
+                <a:ea typeface="Arial"/>
+                <a:cs typeface="Arial"/>
+                <a:sym typeface="Arial"/>
+              </a:defRPr>
+            </a:lvl2pPr>
+            <a:lvl3pPr marR="0" lvl="2" algn="l" rtl="0">
+              <a:lnSpc>
+                <a:spcPct val="100000"/>
+              </a:lnSpc>
+              <a:spcBef>
+                <a:spcPts val="0"/>
+              </a:spcBef>
+              <a:spcAft>
+                <a:spcPts val="0"/>
+              </a:spcAft>
+              <a:buClr>
+                <a:srgbClr val="000000"/>
+              </a:buClr>
+              <a:buFont typeface="Arial"/>
+              <a:defRPr sz="1400" b="0" i="0" u="none" strike="noStrike" cap="none">
+                <a:solidFill>
+                  <a:srgbClr val="000000"/>
+                </a:solidFill>
+                <a:latin typeface="Arial"/>
+                <a:ea typeface="Arial"/>
+                <a:cs typeface="Arial"/>
+                <a:sym typeface="Arial"/>
+              </a:defRPr>
+            </a:lvl3pPr>
+            <a:lvl4pPr marR="0" lvl="3" algn="l" rtl="0">
+              <a:lnSpc>
+                <a:spcPct val="100000"/>
+              </a:lnSpc>
+              <a:spcBef>
+                <a:spcPts val="0"/>
+              </a:spcBef>
+              <a:spcAft>
+                <a:spcPts val="0"/>
+              </a:spcAft>
+              <a:buClr>
+                <a:srgbClr val="000000"/>
+              </a:buClr>
+              <a:buFont typeface="Arial"/>
+              <a:defRPr sz="1400" b="0" i="0" u="none" strike="noStrike" cap="none">
+                <a:solidFill>
+                  <a:srgbClr val="000000"/>
+                </a:solidFill>
+                <a:latin typeface="Arial"/>
+                <a:ea typeface="Arial"/>
+                <a:cs typeface="Arial"/>
+                <a:sym typeface="Arial"/>
+              </a:defRPr>
+            </a:lvl4pPr>
+            <a:lvl5pPr marR="0" lvl="4" algn="l" rtl="0">
+              <a:lnSpc>
+                <a:spcPct val="100000"/>
+              </a:lnSpc>
+              <a:spcBef>
+                <a:spcPts val="0"/>
+              </a:spcBef>
+              <a:spcAft>
+                <a:spcPts val="0"/>
+              </a:spcAft>
+              <a:buClr>
+                <a:srgbClr val="000000"/>
+              </a:buClr>
+              <a:buFont typeface="Arial"/>
+              <a:defRPr sz="1400" b="0" i="0" u="none" strike="noStrike" cap="none">
+                <a:solidFill>
+                  <a:srgbClr val="000000"/>
+                </a:solidFill>
+                <a:latin typeface="Arial"/>
+                <a:ea typeface="Arial"/>
+                <a:cs typeface="Arial"/>
+                <a:sym typeface="Arial"/>
+              </a:defRPr>
+            </a:lvl5pPr>
+            <a:lvl6pPr marR="0" lvl="5" algn="l" rtl="0">
+              <a:lnSpc>
+                <a:spcPct val="100000"/>
+              </a:lnSpc>
+              <a:spcBef>
+                <a:spcPts val="0"/>
+              </a:spcBef>
+              <a:spcAft>
+                <a:spcPts val="0"/>
+              </a:spcAft>
+              <a:buClr>
+                <a:srgbClr val="000000"/>
+              </a:buClr>
+              <a:buFont typeface="Arial"/>
+              <a:defRPr sz="1400" b="0" i="0" u="none" strike="noStrike" cap="none">
+                <a:solidFill>
+                  <a:srgbClr val="000000"/>
+                </a:solidFill>
+                <a:latin typeface="Arial"/>
+                <a:ea typeface="Arial"/>
+                <a:cs typeface="Arial"/>
+                <a:sym typeface="Arial"/>
+              </a:defRPr>
+            </a:lvl6pPr>
+            <a:lvl7pPr marR="0" lvl="6" algn="l" rtl="0">
+              <a:lnSpc>
+                <a:spcPct val="100000"/>
+              </a:lnSpc>
+              <a:spcBef>
+                <a:spcPts val="0"/>
+              </a:spcBef>
+              <a:spcAft>
+                <a:spcPts val="0"/>
+              </a:spcAft>
+              <a:buClr>
+                <a:srgbClr val="000000"/>
+              </a:buClr>
+              <a:buFont typeface="Arial"/>
+              <a:defRPr sz="1400" b="0" i="0" u="none" strike="noStrike" cap="none">
+                <a:solidFill>
+                  <a:srgbClr val="000000"/>
+                </a:solidFill>
+                <a:latin typeface="Arial"/>
+                <a:ea typeface="Arial"/>
+                <a:cs typeface="Arial"/>
+                <a:sym typeface="Arial"/>
+              </a:defRPr>
+            </a:lvl7pPr>
+            <a:lvl8pPr marR="0" lvl="7" algn="l" rtl="0">
+              <a:lnSpc>
+                <a:spcPct val="100000"/>
+              </a:lnSpc>
+              <a:spcBef>
+                <a:spcPts val="0"/>
+              </a:spcBef>
+              <a:spcAft>
+                <a:spcPts val="0"/>
+              </a:spcAft>
+              <a:buClr>
+                <a:srgbClr val="000000"/>
+              </a:buClr>
+              <a:buFont typeface="Arial"/>
+              <a:defRPr sz="1400" b="0" i="0" u="none" strike="noStrike" cap="none">
+                <a:solidFill>
+                  <a:srgbClr val="000000"/>
+                </a:solidFill>
+                <a:latin typeface="Arial"/>
+                <a:ea typeface="Arial"/>
+                <a:cs typeface="Arial"/>
+                <a:sym typeface="Arial"/>
+              </a:defRPr>
+            </a:lvl8pPr>
+            <a:lvl9pPr marR="0" lvl="8" algn="l" rtl="0">
+              <a:lnSpc>
+                <a:spcPct val="100000"/>
+              </a:lnSpc>
+              <a:spcBef>
+                <a:spcPts val="0"/>
+              </a:spcBef>
+              <a:spcAft>
+                <a:spcPts val="0"/>
+              </a:spcAft>
+              <a:buClr>
+                <a:srgbClr val="000000"/>
+              </a:buClr>
+              <a:buFont typeface="Arial"/>
+              <a:defRPr sz="1400" b="0" i="0" u="none" strike="noStrike" cap="none">
+                <a:solidFill>
+                  <a:srgbClr val="000000"/>
+                </a:solidFill>
+                <a:latin typeface="Arial"/>
+                <a:ea typeface="Arial"/>
+                <a:cs typeface="Arial"/>
+                <a:sym typeface="Arial"/>
+              </a:defRPr>
+            </a:lvl9pPr>
+          </a:lstStyle>
+          <a:p>
+            <a:r>
+              <a:rPr lang="ru-RU" dirty="0"/>
+              <a:t>Контакты для связи </a:t>
+            </a:r>
+            <a:r>
+              <a:rPr lang="ru-RU" dirty="0" err="1"/>
+              <a:t>тг</a:t>
+            </a:r>
+            <a:r>
+              <a:rPr lang="ru-RU" dirty="0"/>
+              <a:t> </a:t>
+            </a:r>
+            <a:r>
+              <a:rPr lang="en-US" dirty="0"/>
+              <a:t>@StepanBokarev</a:t>
+            </a:r>
+            <a:endParaRPr lang="ru-RU" dirty="0"/>
+          </a:p>
+        </p:txBody>
+      </p:sp>
+    </p:spTree>
+    <p:extLst>
+      <p:ext uri="{BB962C8B-B14F-4D97-AF65-F5344CB8AC3E}">
+        <p14:creationId xmlns:p14="http://schemas.microsoft.com/office/powerpoint/2010/main" val="3029694870"/>
+      </p:ext>
+    </p:extLst>
   </p:cSld>
   <p:clrMapOvr>
     <a:masterClrMapping/>
